--- a/Session 1/4. HTML & HTML5.pptx
+++ b/Session 1/4. HTML & HTML5.pptx
@@ -5,10 +5,10 @@
     <p:sldMasterId id="2147483648" r:id="rId1"/>
   </p:sldMasterIdLst>
   <p:notesMasterIdLst>
-    <p:notesMasterId r:id="rId28"/>
+    <p:notesMasterId r:id="rId27"/>
   </p:notesMasterIdLst>
   <p:handoutMasterIdLst>
-    <p:handoutMasterId r:id="rId29"/>
+    <p:handoutMasterId r:id="rId28"/>
   </p:handoutMasterIdLst>
   <p:sldIdLst>
     <p:sldId id="256" r:id="rId2"/>
@@ -16,27 +16,26 @@
     <p:sldId id="260" r:id="rId4"/>
     <p:sldId id="261" r:id="rId5"/>
     <p:sldId id="262" r:id="rId6"/>
-    <p:sldId id="263" r:id="rId7"/>
-    <p:sldId id="264" r:id="rId8"/>
-    <p:sldId id="286" r:id="rId9"/>
-    <p:sldId id="266" r:id="rId10"/>
-    <p:sldId id="267" r:id="rId11"/>
-    <p:sldId id="268" r:id="rId12"/>
-    <p:sldId id="269" r:id="rId13"/>
-    <p:sldId id="270" r:id="rId14"/>
-    <p:sldId id="271" r:id="rId15"/>
-    <p:sldId id="272" r:id="rId16"/>
-    <p:sldId id="273" r:id="rId17"/>
-    <p:sldId id="274" r:id="rId18"/>
-    <p:sldId id="285" r:id="rId19"/>
-    <p:sldId id="275" r:id="rId20"/>
-    <p:sldId id="276" r:id="rId21"/>
-    <p:sldId id="277" r:id="rId22"/>
-    <p:sldId id="278" r:id="rId23"/>
-    <p:sldId id="280" r:id="rId24"/>
-    <p:sldId id="281" r:id="rId25"/>
-    <p:sldId id="282" r:id="rId26"/>
-    <p:sldId id="287" r:id="rId27"/>
+    <p:sldId id="264" r:id="rId7"/>
+    <p:sldId id="286" r:id="rId8"/>
+    <p:sldId id="266" r:id="rId9"/>
+    <p:sldId id="267" r:id="rId10"/>
+    <p:sldId id="268" r:id="rId11"/>
+    <p:sldId id="269" r:id="rId12"/>
+    <p:sldId id="270" r:id="rId13"/>
+    <p:sldId id="271" r:id="rId14"/>
+    <p:sldId id="272" r:id="rId15"/>
+    <p:sldId id="273" r:id="rId16"/>
+    <p:sldId id="274" r:id="rId17"/>
+    <p:sldId id="285" r:id="rId18"/>
+    <p:sldId id="275" r:id="rId19"/>
+    <p:sldId id="276" r:id="rId20"/>
+    <p:sldId id="277" r:id="rId21"/>
+    <p:sldId id="278" r:id="rId22"/>
+    <p:sldId id="280" r:id="rId23"/>
+    <p:sldId id="281" r:id="rId24"/>
+    <p:sldId id="282" r:id="rId25"/>
+    <p:sldId id="287" r:id="rId26"/>
   </p:sldIdLst>
   <p:sldSz cx="9144000" cy="6858000" type="screen4x3"/>
   <p:notesSz cx="6858000" cy="9144000"/>
@@ -135,6 +134,22 @@
       </a:defRPr>
     </a:lvl9pPr>
   </p:defaultTextStyle>
+  <p:extLst>
+    <p:ext uri="{EFAFB233-063F-42B5-8137-9DF3F51BA10A}">
+      <p15:sldGuideLst xmlns:p15="http://schemas.microsoft.com/office/powerpoint/2012/main">
+        <p15:guide id="1" orient="horz" pos="2160">
+          <p15:clr>
+            <a:srgbClr val="A4A3A4"/>
+          </p15:clr>
+        </p15:guide>
+        <p15:guide id="2" pos="2880">
+          <p15:clr>
+            <a:srgbClr val="A4A3A4"/>
+          </p15:clr>
+        </p15:guide>
+      </p15:sldGuideLst>
+    </p:ext>
+  </p:extLst>
 </p:presentation>
 </file>
 
@@ -220,7 +235,7 @@
           <a:p>
             <a:fld id="{6550FFAF-B4F1-CB47-B89B-BD38FEB190AD}" type="datetime1">
               <a:rPr lang="da-DK" smtClean="0"/>
-              <a:t>27-08-2015</a:t>
+              <a:t>02-09-2015</a:t>
             </a:fld>
             <a:endParaRPr lang="da-DK"/>
           </a:p>
@@ -286,7 +301,7 @@
           <a:p>
             <a:fld id="{AC3884DC-7C78-874B-B33E-4FD46E909915}" type="slidenum">
               <a:rPr lang="da-DK" smtClean="0"/>
-              <a:t>‹nr.›</a:t>
+              <a:t>‹#›</a:t>
             </a:fld>
             <a:endParaRPr lang="da-DK"/>
           </a:p>
@@ -386,7 +401,7 @@
           <a:p>
             <a:fld id="{7C54A86D-88B8-3D40-955A-2A6093001EAF}" type="datetime1">
               <a:rPr lang="da-DK" smtClean="0"/>
-              <a:t>27-08-2015</a:t>
+              <a:t>02-09-2015</a:t>
             </a:fld>
             <a:endParaRPr lang="da-DK"/>
           </a:p>
@@ -545,7 +560,7 @@
           <a:p>
             <a:fld id="{A9C4E1A5-6CB7-5447-B42E-8AE694A2D83A}" type="slidenum">
               <a:rPr lang="da-DK" smtClean="0"/>
-              <a:t>‹nr.›</a:t>
+              <a:t>‹#›</a:t>
             </a:fld>
             <a:endParaRPr lang="da-DK"/>
           </a:p>
@@ -720,7 +735,7 @@
           <a:p>
             <a:fld id="{7C54A86D-88B8-3D40-955A-2A6093001EAF}" type="datetime1">
               <a:rPr lang="da-DK" smtClean="0"/>
-              <a:t>27-08-2015</a:t>
+              <a:t>02-09-2015</a:t>
             </a:fld>
             <a:endParaRPr lang="da-DK"/>
           </a:p>
@@ -927,7 +942,7 @@
           <a:p>
             <a:fld id="{7C54A86D-88B8-3D40-955A-2A6093001EAF}" type="datetime1">
               <a:rPr lang="da-DK" smtClean="0"/>
-              <a:t>27-08-2015</a:t>
+              <a:t>02-09-2015</a:t>
             </a:fld>
             <a:endParaRPr lang="da-DK"/>
           </a:p>
@@ -969,7 +984,7 @@
           <a:p>
             <a:fld id="{A9C4E1A5-6CB7-5447-B42E-8AE694A2D83A}" type="slidenum">
               <a:rPr lang="da-DK" smtClean="0"/>
-              <a:t>9</a:t>
+              <a:t>8</a:t>
             </a:fld>
             <a:endParaRPr lang="da-DK"/>
           </a:p>
@@ -1053,7 +1068,7 @@
           <a:p>
             <a:fld id="{7C54A86D-88B8-3D40-955A-2A6093001EAF}" type="datetime1">
               <a:rPr lang="da-DK" smtClean="0"/>
-              <a:t>27-08-2015</a:t>
+              <a:t>02-09-2015</a:t>
             </a:fld>
             <a:endParaRPr lang="da-DK"/>
           </a:p>
@@ -1095,7 +1110,7 @@
           <a:p>
             <a:fld id="{A9C4E1A5-6CB7-5447-B42E-8AE694A2D83A}" type="slidenum">
               <a:rPr lang="da-DK" smtClean="0"/>
-              <a:t>20</a:t>
+              <a:t>19</a:t>
             </a:fld>
             <a:endParaRPr lang="da-DK"/>
           </a:p>
@@ -1251,7 +1266,7 @@
           <a:p>
             <a:fld id="{7C54A86D-88B8-3D40-955A-2A6093001EAF}" type="datetime1">
               <a:rPr lang="da-DK" smtClean="0"/>
-              <a:t>27-08-2015</a:t>
+              <a:t>02-09-2015</a:t>
             </a:fld>
             <a:endParaRPr lang="da-DK"/>
           </a:p>
@@ -1293,7 +1308,7 @@
           <a:p>
             <a:fld id="{A9C4E1A5-6CB7-5447-B42E-8AE694A2D83A}" type="slidenum">
               <a:rPr lang="da-DK" smtClean="0"/>
-              <a:t>21</a:t>
+              <a:t>20</a:t>
             </a:fld>
             <a:endParaRPr lang="da-DK"/>
           </a:p>
@@ -1423,7 +1438,7 @@
           <a:p>
             <a:fld id="{7C54A86D-88B8-3D40-955A-2A6093001EAF}" type="datetime1">
               <a:rPr lang="da-DK" smtClean="0"/>
-              <a:t>27-08-2015</a:t>
+              <a:t>02-09-2015</a:t>
             </a:fld>
             <a:endParaRPr lang="da-DK"/>
           </a:p>
@@ -1465,7 +1480,7 @@
           <a:p>
             <a:fld id="{A9C4E1A5-6CB7-5447-B42E-8AE694A2D83A}" type="slidenum">
               <a:rPr lang="da-DK" smtClean="0"/>
-              <a:t>22</a:t>
+              <a:t>21</a:t>
             </a:fld>
             <a:endParaRPr lang="da-DK"/>
           </a:p>
@@ -1553,7 +1568,7 @@
           <a:p>
             <a:fld id="{7C54A86D-88B8-3D40-955A-2A6093001EAF}" type="datetime1">
               <a:rPr lang="da-DK" smtClean="0"/>
-              <a:t>27-08-2015</a:t>
+              <a:t>02-09-2015</a:t>
             </a:fld>
             <a:endParaRPr lang="da-DK"/>
           </a:p>
@@ -1595,7 +1610,7 @@
           <a:p>
             <a:fld id="{A9C4E1A5-6CB7-5447-B42E-8AE694A2D83A}" type="slidenum">
               <a:rPr lang="da-DK" smtClean="0"/>
-              <a:t>26</a:t>
+              <a:t>25</a:t>
             </a:fld>
             <a:endParaRPr lang="da-DK"/>
           </a:p>
@@ -1723,7 +1738,7 @@
           <a:p>
             <a:fld id="{F7AB382F-E9E6-CE49-B414-1E064FB7F064}" type="slidenum">
               <a:rPr lang="da-DK" smtClean="0"/>
-              <a:t>‹nr.›</a:t>
+              <a:t>‹#›</a:t>
             </a:fld>
             <a:endParaRPr lang="da-DK"/>
           </a:p>
@@ -2135,7 +2150,7 @@
           <a:p>
             <a:fld id="{F7AB382F-E9E6-CE49-B414-1E064FB7F064}" type="slidenum">
               <a:rPr lang="da-DK" smtClean="0"/>
-              <a:t>‹nr.›</a:t>
+              <a:t>‹#›</a:t>
             </a:fld>
             <a:endParaRPr lang="da-DK"/>
           </a:p>
@@ -2560,7 +2575,7 @@
             <a:fld id="{F7AB382F-E9E6-CE49-B414-1E064FB7F064}" type="slidenum">
               <a:rPr lang="da-DK" smtClean="0"/>
               <a:pPr/>
-              <a:t>‹nr.›</a:t>
+              <a:t>‹#›</a:t>
             </a:fld>
             <a:endParaRPr lang="da-DK" dirty="0"/>
           </a:p>
@@ -2746,7 +2761,7 @@
             <a:fld id="{F7AB382F-E9E6-CE49-B414-1E064FB7F064}" type="slidenum">
               <a:rPr lang="da-DK" smtClean="0"/>
               <a:pPr/>
-              <a:t>‹nr.›</a:t>
+              <a:t>‹#›</a:t>
             </a:fld>
             <a:endParaRPr lang="da-DK" dirty="0"/>
           </a:p>
@@ -2961,7 +2976,7 @@
           <a:p>
             <a:fld id="{F7AB382F-E9E6-CE49-B414-1E064FB7F064}" type="slidenum">
               <a:rPr lang="da-DK" smtClean="0"/>
-              <a:t>‹nr.›</a:t>
+              <a:t>‹#›</a:t>
             </a:fld>
             <a:endParaRPr lang="da-DK"/>
           </a:p>
@@ -3196,7 +3211,7 @@
           <a:p>
             <a:fld id="{F7AB382F-E9E6-CE49-B414-1E064FB7F064}" type="slidenum">
               <a:rPr lang="da-DK" smtClean="0"/>
-              <a:t>‹nr.›</a:t>
+              <a:t>‹#›</a:t>
             </a:fld>
             <a:endParaRPr lang="da-DK"/>
           </a:p>
@@ -3473,7 +3488,7 @@
           <a:p>
             <a:fld id="{F7AB382F-E9E6-CE49-B414-1E064FB7F064}" type="slidenum">
               <a:rPr lang="da-DK" smtClean="0"/>
-              <a:t>‹nr.›</a:t>
+              <a:t>‹#›</a:t>
             </a:fld>
             <a:endParaRPr lang="da-DK"/>
           </a:p>
@@ -3884,7 +3899,7 @@
           <a:p>
             <a:fld id="{F7AB382F-E9E6-CE49-B414-1E064FB7F064}" type="slidenum">
               <a:rPr lang="da-DK" smtClean="0"/>
-              <a:t>‹nr.›</a:t>
+              <a:t>‹#›</a:t>
             </a:fld>
             <a:endParaRPr lang="da-DK"/>
           </a:p>
@@ -3991,7 +4006,7 @@
           <a:p>
             <a:fld id="{F7AB382F-E9E6-CE49-B414-1E064FB7F064}" type="slidenum">
               <a:rPr lang="da-DK" smtClean="0"/>
-              <a:t>‹nr.›</a:t>
+              <a:t>‹#›</a:t>
             </a:fld>
             <a:endParaRPr lang="da-DK"/>
           </a:p>
@@ -4075,7 +4090,7 @@
           <a:p>
             <a:fld id="{F7AB382F-E9E6-CE49-B414-1E064FB7F064}" type="slidenum">
               <a:rPr lang="da-DK" smtClean="0"/>
-              <a:t>‹nr.›</a:t>
+              <a:t>‹#›</a:t>
             </a:fld>
             <a:endParaRPr lang="da-DK"/>
           </a:p>
@@ -4309,7 +4324,7 @@
           <a:p>
             <a:fld id="{F7AB382F-E9E6-CE49-B414-1E064FB7F064}" type="slidenum">
               <a:rPr lang="da-DK" smtClean="0"/>
-              <a:t>‹nr.›</a:t>
+              <a:t>‹#›</a:t>
             </a:fld>
             <a:endParaRPr lang="da-DK"/>
           </a:p>
@@ -4594,7 +4609,7 @@
           <a:p>
             <a:fld id="{F7AB382F-E9E6-CE49-B414-1E064FB7F064}" type="slidenum">
               <a:rPr lang="da-DK" smtClean="0"/>
-              <a:t>‹nr.›</a:t>
+              <a:t>‹#›</a:t>
             </a:fld>
             <a:endParaRPr lang="da-DK"/>
           </a:p>
@@ -4843,7 +4858,7 @@
             <a:fld id="{F7AB382F-E9E6-CE49-B414-1E064FB7F064}" type="slidenum">
               <a:rPr lang="da-DK" smtClean="0"/>
               <a:pPr/>
-              <a:t>‹nr.›</a:t>
+              <a:t>‹#›</a:t>
             </a:fld>
             <a:endParaRPr lang="da-DK" dirty="0"/>
           </a:p>
@@ -5359,7 +5374,7 @@
           <a:p>
             <a:r>
               <a:rPr lang="en-US" dirty="0" smtClean="0"/>
-              <a:t>&lt;section&gt;</a:t>
+              <a:t>&lt;article&gt;</a:t>
             </a:r>
             <a:endParaRPr lang="en-US" dirty="0"/>
           </a:p>
@@ -5377,39 +5392,40 @@
         </p:nvSpPr>
         <p:spPr>
           <a:xfrm>
-            <a:off x="457200" y="1600201"/>
-            <a:ext cx="8229600" cy="2133600"/>
+            <a:off x="457200" y="1600202"/>
+            <a:ext cx="8229600" cy="2209799"/>
           </a:xfrm>
         </p:spPr>
         <p:txBody>
           <a:bodyPr>
-            <a:normAutofit fontScale="85000" lnSpcReduction="20000"/>
+            <a:normAutofit fontScale="77500" lnSpcReduction="20000"/>
           </a:bodyPr>
           <a:lstStyle/>
           <a:p>
             <a:r>
               <a:rPr lang="en-US" dirty="0" smtClean="0"/>
-              <a:t>The section element represents a generic section of a document or application. A section, in this context, is a thematic grouping of content, typically with a heading.</a:t>
+              <a:t>The article element represents a self-contained composition in a document, page, application, or site and that is, in principle, independently distributable or reusable, e.g. in syndication.</a:t>
             </a:r>
           </a:p>
           <a:p>
             <a:r>
               <a:rPr lang="en-US" dirty="0" smtClean="0"/>
-              <a:t>Authors are encouraged to use the article element instead of the section element when it would make sense to syndicate the contents of the element.</a:t>
-            </a:r>
-          </a:p>
-        </p:txBody>
-      </p:sp>
-      <p:sp>
-        <p:nvSpPr>
-          <p:cNvPr id="5" name="Tekstboks 4"/>
+              <a:t>E.g. a forum post, a magazine or newspaper article, a blog entry, a user-submitted comment, an interactive widget or gadget, or any other independent item of content.</a:t>
+            </a:r>
+            <a:endParaRPr lang="en-US" dirty="0"/>
+          </a:p>
+        </p:txBody>
+      </p:sp>
+      <p:sp>
+        <p:nvSpPr>
+          <p:cNvPr id="6" name="Tekstboks 5"/>
           <p:cNvSpPr txBox="1"/>
           <p:nvPr/>
         </p:nvSpPr>
         <p:spPr>
           <a:xfrm>
-            <a:off x="1843454" y="3733801"/>
-            <a:ext cx="6019800" cy="2677656"/>
+            <a:off x="1930942" y="3657600"/>
+            <a:ext cx="5282119" cy="2308324"/>
           </a:xfrm>
           <a:prstGeom prst="rect">
             <a:avLst/>
@@ -5445,135 +5461,114 @@
             <a:pPr defTabSz="273050"/>
             <a:r>
               <a:rPr lang="en-US" sz="1200" dirty="0"/>
-              <a:t>	&lt;</a:t>
+              <a:t>	&lt;header&gt;</a:t>
+            </a:r>
+          </a:p>
+          <a:p>
+            <a:pPr defTabSz="273050"/>
+            <a:r>
+              <a:rPr lang="en-US" sz="1200" dirty="0"/>
+              <a:t>		&lt;h1&gt;The Very First Rule of Life&lt;/h1&gt;</a:t>
+            </a:r>
+          </a:p>
+          <a:p>
+            <a:pPr defTabSz="273050"/>
+            <a:r>
+              <a:rPr lang="en-US" sz="1200" dirty="0"/>
+              <a:t>		&lt;p&gt;&lt;time </a:t>
             </a:r>
             <a:r>
               <a:rPr lang="en-US" sz="1200" dirty="0" err="1"/>
-              <a:t>hgroup</a:t>
+              <a:t>pubdate</a:t>
             </a:r>
             <a:r>
               <a:rPr lang="en-US" sz="1200" dirty="0"/>
+              <a:t> </a:t>
+            </a:r>
+            <a:r>
+              <a:rPr lang="en-US" sz="1200" dirty="0" err="1"/>
+              <a:t>datetime</a:t>
+            </a:r>
+            <a:r>
+              <a:rPr lang="en-US" sz="1200" dirty="0"/>
+              <a:t>="2009-10-09T14:28-08:00"&gt;&lt;/time&gt;&lt;/p&gt;</a:t>
+            </a:r>
+          </a:p>
+          <a:p>
+            <a:pPr defTabSz="273050"/>
+            <a:r>
+              <a:rPr lang="en-US" sz="1200" dirty="0"/>
+              <a:t>	&lt;/header&gt;</a:t>
+            </a:r>
+          </a:p>
+          <a:p>
+            <a:pPr defTabSz="273050"/>
+            <a:r>
+              <a:rPr lang="en-US" sz="1200" dirty="0"/>
+              <a:t>		&lt;p&gt;If there's a microphone anywhere near you, assume it's hot and</a:t>
+            </a:r>
+          </a:p>
+          <a:p>
+            <a:pPr defTabSz="273050"/>
+            <a:r>
+              <a:rPr lang="en-US" sz="1200" dirty="0"/>
+              <a:t>		sending whatever you're saying to the world. Seriously.&lt;/p&gt;</a:t>
+            </a:r>
+          </a:p>
+          <a:p>
+            <a:pPr defTabSz="273050"/>
+            <a:r>
+              <a:rPr lang="en-US" sz="1200" dirty="0"/>
+              <a:t>		&lt;p&gt;...&lt;/p&gt;</a:t>
+            </a:r>
+          </a:p>
+          <a:p>
+            <a:pPr defTabSz="273050"/>
+            <a:r>
+              <a:rPr lang="en-US" sz="1200" dirty="0"/>
+              <a:t>	&lt;footer&gt;</a:t>
+            </a:r>
+          </a:p>
+          <a:p>
+            <a:pPr defTabSz="273050"/>
+            <a:r>
+              <a:rPr lang="en-US" sz="1200" dirty="0"/>
+              <a:t>		&lt;a </a:t>
+            </a:r>
+            <a:r>
+              <a:rPr lang="en-US" sz="1200" dirty="0" err="1"/>
+              <a:t>href</a:t>
+            </a:r>
+            <a:r>
+              <a:rPr lang="en-US" sz="1200" dirty="0"/>
+              <a:t>="?comments=1"&gt;Show comments...&lt;/a&gt;</a:t>
+            </a:r>
+          </a:p>
+          <a:p>
+            <a:pPr defTabSz="273050"/>
+            <a:r>
+              <a:rPr lang="en-US" sz="1200" dirty="0"/>
+              <a:t>	&lt;/footer&gt;</a:t>
+            </a:r>
+          </a:p>
+          <a:p>
+            <a:pPr defTabSz="273050"/>
+            <a:r>
+              <a:rPr lang="en-US" sz="1200" dirty="0"/>
+              <a:t>&lt;/article</a:t>
+            </a:r>
+            <a:r>
+              <a:rPr lang="en-US" sz="1200" dirty="0" smtClean="0"/>
               <a:t>&gt;</a:t>
             </a:r>
-          </a:p>
-          <a:p>
-            <a:pPr defTabSz="273050"/>
-            <a:r>
-              <a:rPr lang="en-US" sz="1200" dirty="0"/>
-              <a:t>		&lt;h1&gt;Apples&lt;/h1&gt;</a:t>
-            </a:r>
-          </a:p>
-          <a:p>
-            <a:pPr defTabSz="273050"/>
-            <a:r>
-              <a:rPr lang="en-US" sz="1200" dirty="0"/>
-              <a:t>		&lt;h2&gt;Tasty, delicious fruit!&lt;/h2&gt;</a:t>
-            </a:r>
-          </a:p>
-          <a:p>
-            <a:pPr defTabSz="273050"/>
-            <a:r>
-              <a:rPr lang="en-US" sz="1200" dirty="0"/>
-              <a:t>	&lt;/</a:t>
-            </a:r>
-            <a:r>
-              <a:rPr lang="en-US" sz="1200" dirty="0" err="1"/>
-              <a:t>hgroup</a:t>
-            </a:r>
-            <a:r>
-              <a:rPr lang="en-US" sz="1200" dirty="0"/>
-              <a:t>&gt;</a:t>
-            </a:r>
-          </a:p>
-          <a:p>
-            <a:pPr defTabSz="273050"/>
-            <a:r>
-              <a:rPr lang="en-US" sz="1200" dirty="0"/>
-              <a:t>	&lt;p&gt;The apple is the </a:t>
-            </a:r>
-            <a:r>
-              <a:rPr lang="en-US" sz="1200" dirty="0" err="1"/>
-              <a:t>pomaceous</a:t>
-            </a:r>
-            <a:r>
-              <a:rPr lang="en-US" sz="1200" dirty="0"/>
-              <a:t> fruit of the apple tree.&lt;/p&gt;</a:t>
-            </a:r>
-          </a:p>
-          <a:p>
-            <a:pPr defTabSz="273050"/>
-            <a:r>
-              <a:rPr lang="en-US" sz="1200" dirty="0"/>
-              <a:t>	&lt;section&gt;</a:t>
-            </a:r>
-          </a:p>
-          <a:p>
-            <a:pPr defTabSz="273050"/>
-            <a:r>
-              <a:rPr lang="en-US" sz="1200" dirty="0"/>
-              <a:t>		&lt;h1&gt;Red Delicious&lt;/h1&gt;</a:t>
-            </a:r>
-          </a:p>
-          <a:p>
-            <a:pPr defTabSz="273050"/>
-            <a:r>
-              <a:rPr lang="en-US" sz="1200" dirty="0"/>
-              <a:t>		&lt;p&gt;These bright red apples are the most common found in </a:t>
-            </a:r>
-            <a:r>
-              <a:rPr lang="en-US" sz="1200" dirty="0" smtClean="0"/>
-              <a:t>many supermarkets</a:t>
-            </a:r>
-            <a:r>
-              <a:rPr lang="en-US" sz="1200" dirty="0"/>
-              <a:t>.&lt;/p&gt;</a:t>
-            </a:r>
-          </a:p>
-          <a:p>
-            <a:pPr defTabSz="273050"/>
-            <a:r>
-              <a:rPr lang="en-US" sz="1200" dirty="0"/>
-              <a:t>	&lt;/section&gt;</a:t>
-            </a:r>
-          </a:p>
-          <a:p>
-            <a:pPr defTabSz="273050"/>
-            <a:r>
-              <a:rPr lang="en-US" sz="1200" dirty="0"/>
-              <a:t>	&lt;section&gt;</a:t>
-            </a:r>
-          </a:p>
-          <a:p>
-            <a:pPr defTabSz="273050"/>
-            <a:r>
-              <a:rPr lang="en-US" sz="1200" dirty="0"/>
-              <a:t>		</a:t>
-            </a:r>
-            <a:r>
-              <a:rPr lang="en-US" sz="1200" dirty="0" smtClean="0"/>
-              <a:t>…</a:t>
-            </a:r>
-          </a:p>
-          <a:p>
-            <a:pPr defTabSz="273050"/>
-            <a:r>
-              <a:rPr lang="en-US" sz="1200" dirty="0"/>
-              <a:t>	&lt;/section&gt;</a:t>
-            </a:r>
-          </a:p>
-          <a:p>
-            <a:pPr defTabSz="273050"/>
-            <a:r>
-              <a:rPr lang="en-US" sz="1200" dirty="0"/>
-              <a:t>&lt;/article&gt;</a:t>
-            </a:r>
+            <a:endParaRPr lang="en-US" sz="1200" dirty="0"/>
           </a:p>
         </p:txBody>
       </p:sp>
     </p:spTree>
     <p:extLst>
       <p:ext uri="{BB962C8B-B14F-4D97-AF65-F5344CB8AC3E}">
-        <p14:creationId xmlns:p14="http://schemas.microsoft.com/office/powerpoint/2010/main" val="2045521935"/>
+        <p14:creationId xmlns:p14="http://schemas.microsoft.com/office/powerpoint/2010/main" val="3673924676"/>
       </p:ext>
     </p:extLst>
   </p:cSld>
@@ -5629,7 +5624,15 @@
           <a:p>
             <a:r>
               <a:rPr lang="en-US" dirty="0" smtClean="0"/>
-              <a:t>&lt;article&gt;</a:t>
+              <a:t>&lt;</a:t>
+            </a:r>
+            <a:r>
+              <a:rPr lang="en-US" dirty="0" err="1" smtClean="0"/>
+              <a:t>nav</a:t>
+            </a:r>
+            <a:r>
+              <a:rPr lang="en-US" dirty="0" smtClean="0"/>
+              <a:t>&gt;</a:t>
             </a:r>
             <a:endParaRPr lang="en-US" dirty="0"/>
           </a:p>
@@ -5648,7 +5651,7 @@
         <p:spPr>
           <a:xfrm>
             <a:off x="457200" y="1600202"/>
-            <a:ext cx="8229600" cy="2209799"/>
+            <a:ext cx="8229600" cy="1600199"/>
           </a:xfrm>
         </p:spPr>
         <p:txBody>
@@ -5658,29 +5661,56 @@
           <a:lstStyle/>
           <a:p>
             <a:r>
+              <a:rPr lang="en-US" dirty="0"/>
+              <a:t>The </a:t>
+            </a:r>
+            <a:r>
+              <a:rPr lang="en-US" dirty="0" err="1"/>
+              <a:t>nav</a:t>
+            </a:r>
+            <a:r>
+              <a:rPr lang="en-US" dirty="0"/>
+              <a:t> element represents a section of a page that links to other pages or to parts within the page: a section with navigation links</a:t>
+            </a:r>
+            <a:r>
               <a:rPr lang="en-US" dirty="0" smtClean="0"/>
-              <a:t>The article element represents a self-contained composition in a document, page, application, or site and that is, in principle, independently distributable or reusable, e.g. in syndication.</a:t>
-            </a:r>
-          </a:p>
-          <a:p>
+              <a:t>.</a:t>
+            </a:r>
+          </a:p>
+          <a:p>
+            <a:r>
+              <a:rPr lang="en-US" dirty="0"/>
+              <a:t>Not all groups of links on a page need to be in a </a:t>
+            </a:r>
+            <a:r>
+              <a:rPr lang="en-US" dirty="0" err="1"/>
+              <a:t>nav</a:t>
+            </a:r>
+            <a:r>
+              <a:rPr lang="en-US" dirty="0"/>
+              <a:t> element </a:t>
+            </a:r>
             <a:r>
               <a:rPr lang="en-US" dirty="0" smtClean="0"/>
-              <a:t>E.g. a forum post, a magazine or newspaper article, a blog entry, a user-submitted comment, an interactive widget or gadget, or any other independent item of content.</a:t>
-            </a:r>
-            <a:endParaRPr lang="en-US" dirty="0"/>
-          </a:p>
-        </p:txBody>
-      </p:sp>
-      <p:sp>
-        <p:nvSpPr>
-          <p:cNvPr id="6" name="Tekstboks 5"/>
+              <a:t>– the </a:t>
+            </a:r>
+            <a:r>
+              <a:rPr lang="en-US" dirty="0"/>
+              <a:t>element is primarily intended for sections that consist of major navigation blocks.</a:t>
+            </a:r>
+          </a:p>
+        </p:txBody>
+      </p:sp>
+      <p:sp>
+        <p:nvSpPr>
+          <p:cNvPr id="4" name="Tekstboks 3"/>
           <p:cNvSpPr txBox="1"/>
           <p:nvPr/>
         </p:nvSpPr>
         <p:spPr>
           <a:xfrm>
-            <a:off x="1930942" y="3657600"/>
-            <a:ext cx="5282119" cy="2308324"/>
+            <a:off x="773301" y="3200401"/>
+            <a:ext cx="7597401" cy="2862322"/>
           </a:xfrm>
           <a:prstGeom prst="rect">
             <a:avLst/>
@@ -5701,94 +5731,44 @@
           </a:fontRef>
         </p:style>
         <p:txBody>
-          <a:bodyPr wrap="square" rtlCol="0">
+          <a:bodyPr wrap="none" rtlCol="0">
             <a:spAutoFit/>
           </a:bodyPr>
           <a:lstStyle/>
           <a:p>
-            <a:pPr defTabSz="273050"/>
+            <a:pPr defTabSz="271463"/>
             <a:r>
               <a:rPr lang="en-US" sz="1200" dirty="0"/>
-              <a:t>&lt;article&gt;</a:t>
-            </a:r>
-          </a:p>
-          <a:p>
-            <a:pPr defTabSz="273050"/>
+              <a:t>&lt;body&gt;</a:t>
+            </a:r>
+          </a:p>
+          <a:p>
+            <a:pPr defTabSz="271463"/>
             <a:r>
               <a:rPr lang="en-US" sz="1200" dirty="0"/>
               <a:t>	&lt;header&gt;</a:t>
             </a:r>
           </a:p>
           <a:p>
-            <a:pPr defTabSz="273050"/>
+            <a:pPr defTabSz="271463"/>
             <a:r>
               <a:rPr lang="en-US" sz="1200" dirty="0"/>
-              <a:t>		&lt;h1&gt;The Very First Rule of Life&lt;/h1&gt;</a:t>
-            </a:r>
-          </a:p>
-          <a:p>
-            <a:pPr defTabSz="273050"/>
+              <a:t>		&lt;h1&gt;Wake up </a:t>
+            </a:r>
+            <a:r>
+              <a:rPr lang="en-US" sz="1200" dirty="0" err="1"/>
+              <a:t>sheeple</a:t>
+            </a:r>
             <a:r>
               <a:rPr lang="en-US" sz="1200" dirty="0"/>
-              <a:t>		&lt;p&gt;&lt;time </a:t>
-            </a:r>
-            <a:r>
-              <a:rPr lang="en-US" sz="1200" dirty="0" err="1"/>
-              <a:t>pubdate</a:t>
-            </a:r>
+              <a:t>!&lt;/h1&gt;</a:t>
+            </a:r>
+          </a:p>
+          <a:p>
+            <a:pPr defTabSz="271463"/>
             <a:r>
               <a:rPr lang="en-US" sz="1200" dirty="0"/>
-              <a:t> </a:t>
-            </a:r>
-            <a:r>
-              <a:rPr lang="en-US" sz="1200" dirty="0" err="1"/>
-              <a:t>datetime</a:t>
-            </a:r>
-            <a:r>
-              <a:rPr lang="en-US" sz="1200" dirty="0"/>
-              <a:t>="2009-10-09T14:28-08:00"&gt;&lt;/time&gt;&lt;/p&gt;</a:t>
-            </a:r>
-          </a:p>
-          <a:p>
-            <a:pPr defTabSz="273050"/>
-            <a:r>
-              <a:rPr lang="en-US" sz="1200" dirty="0"/>
-              <a:t>	&lt;/header&gt;</a:t>
-            </a:r>
-          </a:p>
-          <a:p>
-            <a:pPr defTabSz="273050"/>
-            <a:r>
-              <a:rPr lang="en-US" sz="1200" dirty="0"/>
-              <a:t>		&lt;p&gt;If there's a microphone anywhere near you, assume it's hot and</a:t>
-            </a:r>
-          </a:p>
-          <a:p>
-            <a:pPr defTabSz="273050"/>
-            <a:r>
-              <a:rPr lang="en-US" sz="1200" dirty="0"/>
-              <a:t>		sending whatever you're saying to the world. Seriously.&lt;/p&gt;</a:t>
-            </a:r>
-          </a:p>
-          <a:p>
-            <a:pPr defTabSz="273050"/>
-            <a:r>
-              <a:rPr lang="en-US" sz="1200" dirty="0"/>
-              <a:t>		&lt;p&gt;...&lt;/p&gt;</a:t>
-            </a:r>
-          </a:p>
-          <a:p>
-            <a:pPr defTabSz="273050"/>
-            <a:r>
-              <a:rPr lang="en-US" sz="1200" dirty="0"/>
-              <a:t>	&lt;footer&gt;</a:t>
-            </a:r>
-          </a:p>
-          <a:p>
-            <a:pPr defTabSz="273050"/>
-            <a:r>
-              <a:rPr lang="en-US" sz="1200" dirty="0"/>
-              <a:t>		&lt;a </a:t>
+              <a:t>		&lt;p&gt;&lt;a </a:t>
             </a:r>
             <a:r>
               <a:rPr lang="en-US" sz="1200" dirty="0" err="1"/>
@@ -5796,25 +5776,180 @@
             </a:r>
             <a:r>
               <a:rPr lang="en-US" sz="1200" dirty="0"/>
-              <a:t>="?comments=1"&gt;Show comments...&lt;/a&gt;</a:t>
-            </a:r>
-          </a:p>
-          <a:p>
-            <a:pPr defTabSz="273050"/>
+              <a:t>="news.html"&gt;News&lt;/a&gt; - &lt;a </a:t>
+            </a:r>
+            <a:r>
+              <a:rPr lang="en-US" sz="1200" dirty="0" err="1"/>
+              <a:t>href</a:t>
+            </a:r>
             <a:r>
               <a:rPr lang="en-US" sz="1200" dirty="0"/>
-              <a:t>	&lt;/footer&gt;</a:t>
-            </a:r>
-          </a:p>
-          <a:p>
-            <a:pPr defTabSz="273050"/>
+              <a:t>="blog.html"&gt;Blog&lt;/a&gt; - &lt;a </a:t>
+            </a:r>
+            <a:r>
+              <a:rPr lang="en-US" sz="1200" dirty="0" err="1"/>
+              <a:t>href</a:t>
+            </a:r>
             <a:r>
               <a:rPr lang="en-US" sz="1200" dirty="0"/>
-              <a:t>&lt;/article</a:t>
+              <a:t>="forums.html"&gt;Forums&lt;/a&gt;&lt;/p&gt;</a:t>
+            </a:r>
+          </a:p>
+          <a:p>
+            <a:pPr defTabSz="271463"/>
+            <a:r>
+              <a:rPr lang="en-US" sz="1200" dirty="0"/>
+              <a:t>		&lt;p&gt;Last Modified: &lt;time&gt;2009-04-01&lt;/time&gt;&lt;/p&gt;</a:t>
+            </a:r>
+          </a:p>
+          <a:p>
+            <a:pPr defTabSz="271463"/>
+            <a:r>
+              <a:rPr lang="en-US" sz="1200" dirty="0"/>
+              <a:t>		&lt;</a:t>
+            </a:r>
+            <a:r>
+              <a:rPr lang="en-US" sz="1200" dirty="0" err="1"/>
+              <a:t>nav</a:t>
+            </a:r>
+            <a:r>
+              <a:rPr lang="en-US" sz="1200" dirty="0"/>
+              <a:t>&gt;</a:t>
+            </a:r>
+          </a:p>
+          <a:p>
+            <a:pPr defTabSz="271463"/>
+            <a:r>
+              <a:rPr lang="en-US" sz="1200" dirty="0"/>
+              <a:t>			&lt;h1&gt;Navigation&lt;/h1&gt;</a:t>
+            </a:r>
+          </a:p>
+          <a:p>
+            <a:pPr defTabSz="271463"/>
+            <a:r>
+              <a:rPr lang="en-US" sz="1200" dirty="0"/>
+              <a:t>			&lt;</a:t>
+            </a:r>
+            <a:r>
+              <a:rPr lang="en-US" sz="1200" dirty="0" err="1"/>
+              <a:t>ul</a:t>
+            </a:r>
+            <a:r>
+              <a:rPr lang="en-US" sz="1200" dirty="0"/>
+              <a:t>&gt;</a:t>
+            </a:r>
+          </a:p>
+          <a:p>
+            <a:pPr defTabSz="271463"/>
+            <a:r>
+              <a:rPr lang="en-US" sz="1200" dirty="0"/>
+              <a:t>				&lt;li&gt;&lt;a </a:t>
+            </a:r>
+            <a:r>
+              <a:rPr lang="en-US" sz="1200" dirty="0" err="1"/>
+              <a:t>href</a:t>
+            </a:r>
+            <a:r>
+              <a:rPr lang="en-US" sz="1200" dirty="0"/>
+              <a:t>="articles.html"&gt;Index of all articles&lt;/a&gt;&lt;/li&gt;</a:t>
+            </a:r>
+          </a:p>
+          <a:p>
+            <a:pPr defTabSz="271463"/>
+            <a:r>
+              <a:rPr lang="en-US" sz="1200" dirty="0"/>
+              <a:t>				&lt;li&gt;&lt;a </a:t>
+            </a:r>
+            <a:r>
+              <a:rPr lang="en-US" sz="1200" dirty="0" err="1"/>
+              <a:t>href</a:t>
+            </a:r>
+            <a:r>
+              <a:rPr lang="en-US" sz="1200" dirty="0"/>
+              <a:t>="today.html"&gt;</a:t>
+            </a:r>
+            <a:r>
+              <a:rPr lang="en-US" sz="1200" dirty="0" smtClean="0"/>
+              <a:t>Today</a:t>
+            </a:r>
+            <a:r>
+              <a:rPr lang="en-US" sz="1200" dirty="0"/>
+              <a:t>&lt;/a&gt;&lt;/li&gt;</a:t>
+            </a:r>
+          </a:p>
+          <a:p>
+            <a:pPr defTabSz="271463"/>
+            <a:r>
+              <a:rPr lang="en-US" sz="1200" dirty="0"/>
+              <a:t>				&lt;li&gt;&lt;a </a:t>
+            </a:r>
+            <a:r>
+              <a:rPr lang="en-US" sz="1200" dirty="0" err="1"/>
+              <a:t>href</a:t>
+            </a:r>
+            <a:r>
+              <a:rPr lang="en-US" sz="1200" dirty="0"/>
+              <a:t>="successes.html"&gt;</a:t>
+            </a:r>
+            <a:r>
+              <a:rPr lang="en-US" sz="1200" dirty="0" smtClean="0"/>
+              <a:t>Successes&lt;/</a:t>
+            </a:r>
+            <a:r>
+              <a:rPr lang="en-US" sz="1200" dirty="0"/>
+              <a:t>a&gt;&lt;/li&gt;</a:t>
+            </a:r>
+          </a:p>
+          <a:p>
+            <a:pPr defTabSz="271463"/>
+            <a:r>
+              <a:rPr lang="en-US" sz="1200" dirty="0"/>
+              <a:t>			&lt;/</a:t>
+            </a:r>
+            <a:r>
+              <a:rPr lang="en-US" sz="1200" dirty="0" err="1"/>
+              <a:t>ul</a:t>
+            </a:r>
+            <a:r>
+              <a:rPr lang="en-US" sz="1200" dirty="0"/>
+              <a:t>&gt;</a:t>
+            </a:r>
+          </a:p>
+          <a:p>
+            <a:pPr defTabSz="271463"/>
+            <a:r>
+              <a:rPr lang="en-US" sz="1200" dirty="0"/>
+              <a:t>		&lt;/</a:t>
+            </a:r>
+            <a:r>
+              <a:rPr lang="en-US" sz="1200" dirty="0" err="1"/>
+              <a:t>nav</a:t>
+            </a:r>
+            <a:r>
+              <a:rPr lang="en-US" sz="1200" dirty="0"/>
+              <a:t>&gt;</a:t>
+            </a:r>
+          </a:p>
+          <a:p>
+            <a:pPr defTabSz="271463"/>
+            <a:r>
+              <a:rPr lang="en-US" sz="1200" dirty="0"/>
+              <a:t>	&lt;/header</a:t>
             </a:r>
             <a:r>
               <a:rPr lang="en-US" sz="1200" dirty="0" smtClean="0"/>
               <a:t>&gt;</a:t>
+            </a:r>
+          </a:p>
+          <a:p>
+            <a:pPr defTabSz="271463"/>
+            <a:r>
+              <a:rPr lang="en-US" sz="1200" dirty="0"/>
+              <a:t>	</a:t>
+            </a:r>
+            <a:r>
+              <a:rPr lang="en-US" sz="1200" dirty="0" smtClean="0"/>
+              <a:t>…</a:t>
             </a:r>
             <a:endParaRPr lang="en-US" sz="1200" dirty="0"/>
           </a:p>
@@ -5823,7 +5958,7 @@
     </p:spTree>
     <p:extLst>
       <p:ext uri="{BB962C8B-B14F-4D97-AF65-F5344CB8AC3E}">
-        <p14:creationId xmlns:p14="http://schemas.microsoft.com/office/powerpoint/2010/main" val="3673924676"/>
+        <p14:creationId xmlns:p14="http://schemas.microsoft.com/office/powerpoint/2010/main" val="690550431"/>
       </p:ext>
     </p:extLst>
   </p:cSld>
@@ -5878,8 +6013,44 @@
           <a:lstStyle/>
           <a:p>
             <a:r>
+              <a:rPr lang="en-US" smtClean="0"/>
+              <a:t>&lt;aside&gt;</a:t>
+            </a:r>
+            <a:endParaRPr lang="en-US" dirty="0"/>
+          </a:p>
+        </p:txBody>
+      </p:sp>
+      <p:sp>
+        <p:nvSpPr>
+          <p:cNvPr id="3" name="Pladsholder til indhold 2"/>
+          <p:cNvSpPr>
+            <a:spLocks noGrp="1"/>
+          </p:cNvSpPr>
+          <p:nvPr>
+            <p:ph idx="1"/>
+          </p:nvPr>
+        </p:nvSpPr>
+        <p:spPr>
+          <a:xfrm>
+            <a:off x="457200" y="1600201"/>
+            <a:ext cx="3886200" cy="4525963"/>
+          </a:xfrm>
+        </p:spPr>
+        <p:txBody>
+          <a:bodyPr>
+            <a:normAutofit fontScale="70000" lnSpcReduction="20000"/>
+          </a:bodyPr>
+          <a:lstStyle/>
+          <a:p>
+            <a:r>
               <a:rPr lang="en-US" dirty="0" smtClean="0"/>
-              <a:t>&lt;</a:t>
+              <a:t>The aside element represents a section of a page that consists of content that is tangentially related to the content around the aside element, and which could be considered separate from that content. Such sections are often represented as sidebars in printed typography.</a:t>
+            </a:r>
+          </a:p>
+          <a:p>
+            <a:r>
+              <a:rPr lang="en-US" dirty="0" smtClean="0"/>
+              <a:t>The element can be used for typographical effects like pull quotes or sidebars, for advertising, for groups of </a:t>
             </a:r>
             <a:r>
               <a:rPr lang="en-US" dirty="0" err="1" smtClean="0"/>
@@ -5887,72 +6058,9 @@
             </a:r>
             <a:r>
               <a:rPr lang="en-US" dirty="0" smtClean="0"/>
-              <a:t>&gt;</a:t>
+              <a:t> elements, and for other content that is considered separate from the main content of the page.</a:t>
             </a:r>
             <a:endParaRPr lang="en-US" dirty="0"/>
-          </a:p>
-        </p:txBody>
-      </p:sp>
-      <p:sp>
-        <p:nvSpPr>
-          <p:cNvPr id="3" name="Pladsholder til indhold 2"/>
-          <p:cNvSpPr>
-            <a:spLocks noGrp="1"/>
-          </p:cNvSpPr>
-          <p:nvPr>
-            <p:ph idx="1"/>
-          </p:nvPr>
-        </p:nvSpPr>
-        <p:spPr>
-          <a:xfrm>
-            <a:off x="457200" y="1600202"/>
-            <a:ext cx="8229600" cy="1600199"/>
-          </a:xfrm>
-        </p:spPr>
-        <p:txBody>
-          <a:bodyPr>
-            <a:normAutofit fontScale="77500" lnSpcReduction="20000"/>
-          </a:bodyPr>
-          <a:lstStyle/>
-          <a:p>
-            <a:r>
-              <a:rPr lang="en-US" dirty="0"/>
-              <a:t>The </a:t>
-            </a:r>
-            <a:r>
-              <a:rPr lang="en-US" dirty="0" err="1"/>
-              <a:t>nav</a:t>
-            </a:r>
-            <a:r>
-              <a:rPr lang="en-US" dirty="0"/>
-              <a:t> element represents a section of a page that links to other pages or to parts within the page: a section with navigation links</a:t>
-            </a:r>
-            <a:r>
-              <a:rPr lang="en-US" dirty="0" smtClean="0"/>
-              <a:t>.</a:t>
-            </a:r>
-          </a:p>
-          <a:p>
-            <a:r>
-              <a:rPr lang="en-US" dirty="0"/>
-              <a:t>Not all groups of links on a page need to be in a </a:t>
-            </a:r>
-            <a:r>
-              <a:rPr lang="en-US" dirty="0" err="1"/>
-              <a:t>nav</a:t>
-            </a:r>
-            <a:r>
-              <a:rPr lang="en-US" dirty="0"/>
-              <a:t> element </a:t>
-            </a:r>
-            <a:r>
-              <a:rPr lang="en-US" dirty="0" smtClean="0"/>
-              <a:t>– the </a:t>
-            </a:r>
-            <a:r>
-              <a:rPr lang="en-US" dirty="0"/>
-              <a:t>element is primarily intended for sections that consist of major navigation blocks.</a:t>
-            </a:r>
           </a:p>
         </p:txBody>
       </p:sp>
@@ -5964,8 +6072,8 @@
         </p:nvSpPr>
         <p:spPr>
           <a:xfrm>
-            <a:off x="773301" y="3200401"/>
-            <a:ext cx="7597401" cy="2862322"/>
+            <a:off x="4267200" y="1488043"/>
+            <a:ext cx="4419600" cy="3970318"/>
           </a:xfrm>
           <a:prstGeom prst="rect">
             <a:avLst/>
@@ -5986,234 +6094,259 @@
           </a:fontRef>
         </p:style>
         <p:txBody>
-          <a:bodyPr wrap="none" rtlCol="0">
+          <a:bodyPr wrap="square" rtlCol="0">
             <a:spAutoFit/>
           </a:bodyPr>
           <a:lstStyle/>
           <a:p>
             <a:pPr defTabSz="271463"/>
             <a:r>
-              <a:rPr lang="en-US" sz="1200" dirty="0"/>
+              <a:rPr lang="en-US" sz="1050" dirty="0"/>
               <a:t>&lt;body&gt;</a:t>
             </a:r>
           </a:p>
           <a:p>
             <a:pPr defTabSz="271463"/>
             <a:r>
-              <a:rPr lang="en-US" sz="1200" dirty="0"/>
+              <a:rPr lang="en-US" sz="1050" dirty="0"/>
               <a:t>	&lt;header&gt;</a:t>
             </a:r>
           </a:p>
           <a:p>
             <a:pPr defTabSz="271463"/>
             <a:r>
-              <a:rPr lang="en-US" sz="1200" dirty="0"/>
-              <a:t>		&lt;h1&gt;Wake up </a:t>
-            </a:r>
-            <a:r>
-              <a:rPr lang="en-US" sz="1200" dirty="0" err="1"/>
-              <a:t>sheeple</a:t>
-            </a:r>
-            <a:r>
-              <a:rPr lang="en-US" sz="1200" dirty="0"/>
-              <a:t>!&lt;/h1&gt;</a:t>
+              <a:rPr lang="en-US" sz="1050" dirty="0"/>
+              <a:t>		&lt;h1&gt;My wonderful blog&lt;/h1&gt;</a:t>
             </a:r>
           </a:p>
           <a:p>
             <a:pPr defTabSz="271463"/>
             <a:r>
-              <a:rPr lang="en-US" sz="1200" dirty="0"/>
-              <a:t>		&lt;p&gt;&lt;a </a:t>
-            </a:r>
-            <a:r>
-              <a:rPr lang="en-US" sz="1200" dirty="0" err="1"/>
+              <a:rPr lang="en-US" sz="1050" dirty="0"/>
+              <a:t>		&lt;p&gt;My tagline&lt;/p&gt;</a:t>
+            </a:r>
+          </a:p>
+          <a:p>
+            <a:pPr defTabSz="271463"/>
+            <a:r>
+              <a:rPr lang="en-US" sz="1050" dirty="0"/>
+              <a:t>	&lt;/header&gt;</a:t>
+            </a:r>
+          </a:p>
+          <a:p>
+            <a:pPr defTabSz="271463"/>
+            <a:r>
+              <a:rPr lang="en-US" sz="1050" dirty="0"/>
+              <a:t>	&lt;aside&gt;</a:t>
+            </a:r>
+          </a:p>
+          <a:p>
+            <a:pPr defTabSz="271463"/>
+            <a:r>
+              <a:rPr lang="en-US" sz="1050" dirty="0"/>
+              <a:t>		&lt;!-- this aside contains two sections that are tangentially related to the page, namely, links to other blogs, and links to blog posts from this blog --&gt;</a:t>
+            </a:r>
+          </a:p>
+          <a:p>
+            <a:pPr defTabSz="271463"/>
+            <a:r>
+              <a:rPr lang="en-US" sz="1050" dirty="0"/>
+              <a:t>		&lt;</a:t>
+            </a:r>
+            <a:r>
+              <a:rPr lang="en-US" sz="1050" dirty="0" err="1"/>
+              <a:t>nav</a:t>
+            </a:r>
+            <a:r>
+              <a:rPr lang="en-US" sz="1050" dirty="0"/>
+              <a:t>&gt;</a:t>
+            </a:r>
+          </a:p>
+          <a:p>
+            <a:pPr defTabSz="271463"/>
+            <a:r>
+              <a:rPr lang="en-US" sz="1050" dirty="0"/>
+              <a:t>			&lt;h1&gt;My </a:t>
+            </a:r>
+            <a:r>
+              <a:rPr lang="en-US" sz="1050" dirty="0" err="1"/>
+              <a:t>blogroll</a:t>
+            </a:r>
+            <a:r>
+              <a:rPr lang="en-US" sz="1050" dirty="0"/>
+              <a:t>&lt;/h1&gt;</a:t>
+            </a:r>
+          </a:p>
+          <a:p>
+            <a:pPr defTabSz="271463"/>
+            <a:r>
+              <a:rPr lang="en-US" sz="1050" dirty="0"/>
+              <a:t>			&lt;</a:t>
+            </a:r>
+            <a:r>
+              <a:rPr lang="en-US" sz="1050" dirty="0" err="1"/>
+              <a:t>ul</a:t>
+            </a:r>
+            <a:r>
+              <a:rPr lang="en-US" sz="1050" dirty="0"/>
+              <a:t>&gt;</a:t>
+            </a:r>
+          </a:p>
+          <a:p>
+            <a:pPr defTabSz="271463"/>
+            <a:r>
+              <a:rPr lang="en-US" sz="1050" dirty="0"/>
+              <a:t>				&lt;li&gt;&lt;a </a:t>
+            </a:r>
+            <a:r>
+              <a:rPr lang="en-US" sz="1050" dirty="0" err="1"/>
               <a:t>href</a:t>
             </a:r>
             <a:r>
-              <a:rPr lang="en-US" sz="1200" dirty="0"/>
-              <a:t>="news.html"&gt;News&lt;/a&gt; - &lt;a </a:t>
-            </a:r>
-            <a:r>
-              <a:rPr lang="en-US" sz="1200" dirty="0" err="1"/>
+              <a:rPr lang="en-US" sz="1050" dirty="0"/>
+              <a:t>="http://blog.example.com/"&gt;Example Blog&lt;/a&gt;</a:t>
+            </a:r>
+          </a:p>
+          <a:p>
+            <a:pPr defTabSz="271463"/>
+            <a:r>
+              <a:rPr lang="en-US" sz="1050" dirty="0"/>
+              <a:t>			&lt;/</a:t>
+            </a:r>
+            <a:r>
+              <a:rPr lang="en-US" sz="1050" dirty="0" err="1"/>
+              <a:t>ul</a:t>
+            </a:r>
+            <a:r>
+              <a:rPr lang="en-US" sz="1050" dirty="0"/>
+              <a:t>&gt;</a:t>
+            </a:r>
+          </a:p>
+          <a:p>
+            <a:pPr defTabSz="271463"/>
+            <a:r>
+              <a:rPr lang="en-US" sz="1050" dirty="0"/>
+              <a:t>		&lt;/</a:t>
+            </a:r>
+            <a:r>
+              <a:rPr lang="en-US" sz="1050" dirty="0" err="1"/>
+              <a:t>nav</a:t>
+            </a:r>
+            <a:r>
+              <a:rPr lang="en-US" sz="1050" dirty="0"/>
+              <a:t>&gt;</a:t>
+            </a:r>
+          </a:p>
+          <a:p>
+            <a:pPr defTabSz="271463"/>
+            <a:r>
+              <a:rPr lang="en-US" sz="1050" dirty="0"/>
+              <a:t>		&lt;</a:t>
+            </a:r>
+            <a:r>
+              <a:rPr lang="en-US" sz="1050" dirty="0" err="1"/>
+              <a:t>nav</a:t>
+            </a:r>
+            <a:r>
+              <a:rPr lang="en-US" sz="1050" dirty="0"/>
+              <a:t>&gt;</a:t>
+            </a:r>
+          </a:p>
+          <a:p>
+            <a:pPr defTabSz="271463"/>
+            <a:r>
+              <a:rPr lang="en-US" sz="1050" dirty="0"/>
+              <a:t>			&lt;h1&gt;Archives&lt;/h1&gt;</a:t>
+            </a:r>
+          </a:p>
+          <a:p>
+            <a:pPr defTabSz="271463"/>
+            <a:r>
+              <a:rPr lang="en-US" sz="1050" dirty="0"/>
+              <a:t>			&lt;</a:t>
+            </a:r>
+            <a:r>
+              <a:rPr lang="en-US" sz="1050" dirty="0" err="1"/>
+              <a:t>ol</a:t>
+            </a:r>
+            <a:r>
+              <a:rPr lang="en-US" sz="1050" dirty="0"/>
+              <a:t> reversed&gt;</a:t>
+            </a:r>
+          </a:p>
+          <a:p>
+            <a:pPr defTabSz="271463"/>
+            <a:r>
+              <a:rPr lang="en-US" sz="1050" dirty="0"/>
+              <a:t>				&lt;li&gt;&lt;a </a:t>
+            </a:r>
+            <a:r>
+              <a:rPr lang="en-US" sz="1050" dirty="0" err="1"/>
               <a:t>href</a:t>
             </a:r>
             <a:r>
-              <a:rPr lang="en-US" sz="1200" dirty="0"/>
-              <a:t>="blog.html"&gt;Blog&lt;/a&gt; - &lt;a </a:t>
-            </a:r>
-            <a:r>
-              <a:rPr lang="en-US" sz="1200" dirty="0" err="1"/>
+              <a:rPr lang="en-US" sz="1050" dirty="0"/>
+              <a:t>="/last-post"&gt;My last post&lt;/a&gt;</a:t>
+            </a:r>
+          </a:p>
+          <a:p>
+            <a:pPr defTabSz="271463"/>
+            <a:r>
+              <a:rPr lang="en-US" sz="1050" dirty="0"/>
+              <a:t>				&lt;li&gt;&lt;a </a:t>
+            </a:r>
+            <a:r>
+              <a:rPr lang="en-US" sz="1050" dirty="0" err="1"/>
               <a:t>href</a:t>
             </a:r>
             <a:r>
-              <a:rPr lang="en-US" sz="1200" dirty="0"/>
-              <a:t>="forums.html"&gt;Forums&lt;/a&gt;&lt;/p&gt;</a:t>
+              <a:rPr lang="en-US" sz="1050" dirty="0"/>
+              <a:t>="/first-post"&gt;My first post&lt;/a&gt;</a:t>
             </a:r>
           </a:p>
           <a:p>
             <a:pPr defTabSz="271463"/>
             <a:r>
-              <a:rPr lang="en-US" sz="1200" dirty="0"/>
-              <a:t>		&lt;p&gt;Last Modified: &lt;time&gt;2009-04-01&lt;/time&gt;&lt;/p&gt;</a:t>
+              <a:rPr lang="en-US" sz="1050" dirty="0"/>
+              <a:t>			&lt;/</a:t>
+            </a:r>
+            <a:r>
+              <a:rPr lang="en-US" sz="1050" dirty="0" err="1"/>
+              <a:t>ol</a:t>
+            </a:r>
+            <a:r>
+              <a:rPr lang="en-US" sz="1050" dirty="0"/>
+              <a:t>&gt;</a:t>
             </a:r>
           </a:p>
           <a:p>
             <a:pPr defTabSz="271463"/>
             <a:r>
-              <a:rPr lang="en-US" sz="1200" dirty="0"/>
-              <a:t>		&lt;</a:t>
-            </a:r>
-            <a:r>
-              <a:rPr lang="en-US" sz="1200" dirty="0" err="1"/>
+              <a:rPr lang="en-US" sz="1050" dirty="0"/>
+              <a:t>		&lt;/</a:t>
+            </a:r>
+            <a:r>
+              <a:rPr lang="en-US" sz="1050" dirty="0" err="1"/>
               <a:t>nav</a:t>
             </a:r>
             <a:r>
-              <a:rPr lang="en-US" sz="1200" dirty="0"/>
+              <a:rPr lang="en-US" sz="1050" dirty="0"/>
               <a:t>&gt;</a:t>
             </a:r>
           </a:p>
           <a:p>
             <a:pPr defTabSz="271463"/>
             <a:r>
-              <a:rPr lang="en-US" sz="1200" dirty="0"/>
-              <a:t>			&lt;h1&gt;Navigation&lt;/h1&gt;</a:t>
-            </a:r>
-          </a:p>
-          <a:p>
-            <a:pPr defTabSz="271463"/>
-            <a:r>
-              <a:rPr lang="en-US" sz="1200" dirty="0"/>
-              <a:t>			&lt;</a:t>
-            </a:r>
-            <a:r>
-              <a:rPr lang="en-US" sz="1200" dirty="0" err="1"/>
-              <a:t>ul</a:t>
-            </a:r>
-            <a:r>
-              <a:rPr lang="en-US" sz="1200" dirty="0"/>
-              <a:t>&gt;</a:t>
-            </a:r>
-          </a:p>
-          <a:p>
-            <a:pPr defTabSz="271463"/>
-            <a:r>
-              <a:rPr lang="en-US" sz="1200" dirty="0"/>
-              <a:t>				&lt;li&gt;&lt;a </a:t>
-            </a:r>
-            <a:r>
-              <a:rPr lang="en-US" sz="1200" dirty="0" err="1"/>
-              <a:t>href</a:t>
-            </a:r>
-            <a:r>
-              <a:rPr lang="en-US" sz="1200" dirty="0"/>
-              <a:t>="articles.html"&gt;Index of all articles&lt;/a&gt;&lt;/li&gt;</a:t>
-            </a:r>
-          </a:p>
-          <a:p>
-            <a:pPr defTabSz="271463"/>
-            <a:r>
-              <a:rPr lang="en-US" sz="1200" dirty="0"/>
-              <a:t>				&lt;li&gt;&lt;a </a:t>
-            </a:r>
-            <a:r>
-              <a:rPr lang="en-US" sz="1200" dirty="0" err="1"/>
-              <a:t>href</a:t>
-            </a:r>
-            <a:r>
-              <a:rPr lang="en-US" sz="1200" dirty="0"/>
-              <a:t>="today.html"&gt;</a:t>
-            </a:r>
-            <a:r>
-              <a:rPr lang="en-US" sz="1200" dirty="0" smtClean="0"/>
-              <a:t>Today</a:t>
-            </a:r>
-            <a:r>
-              <a:rPr lang="en-US" sz="1200" dirty="0"/>
-              <a:t>&lt;/a&gt;&lt;/li&gt;</a:t>
-            </a:r>
-          </a:p>
-          <a:p>
-            <a:pPr defTabSz="271463"/>
-            <a:r>
-              <a:rPr lang="en-US" sz="1200" dirty="0"/>
-              <a:t>				&lt;li&gt;&lt;a </a:t>
-            </a:r>
-            <a:r>
-              <a:rPr lang="en-US" sz="1200" dirty="0" err="1"/>
-              <a:t>href</a:t>
-            </a:r>
-            <a:r>
-              <a:rPr lang="en-US" sz="1200" dirty="0"/>
-              <a:t>="successes.html"&gt;</a:t>
-            </a:r>
-            <a:r>
-              <a:rPr lang="en-US" sz="1200" dirty="0" smtClean="0"/>
-              <a:t>Successes&lt;/</a:t>
-            </a:r>
-            <a:r>
-              <a:rPr lang="en-US" sz="1200" dirty="0"/>
-              <a:t>a&gt;&lt;/li&gt;</a:t>
-            </a:r>
-          </a:p>
-          <a:p>
-            <a:pPr defTabSz="271463"/>
-            <a:r>
-              <a:rPr lang="en-US" sz="1200" dirty="0"/>
-              <a:t>			&lt;/</a:t>
-            </a:r>
-            <a:r>
-              <a:rPr lang="en-US" sz="1200" dirty="0" err="1"/>
-              <a:t>ul</a:t>
-            </a:r>
-            <a:r>
-              <a:rPr lang="en-US" sz="1200" dirty="0"/>
-              <a:t>&gt;</a:t>
-            </a:r>
-          </a:p>
-          <a:p>
-            <a:pPr defTabSz="271463"/>
-            <a:r>
-              <a:rPr lang="en-US" sz="1200" dirty="0"/>
-              <a:t>		&lt;/</a:t>
-            </a:r>
-            <a:r>
-              <a:rPr lang="en-US" sz="1200" dirty="0" err="1"/>
-              <a:t>nav</a:t>
-            </a:r>
-            <a:r>
-              <a:rPr lang="en-US" sz="1200" dirty="0"/>
-              <a:t>&gt;</a:t>
-            </a:r>
-          </a:p>
-          <a:p>
-            <a:pPr defTabSz="271463"/>
-            <a:r>
-              <a:rPr lang="en-US" sz="1200" dirty="0"/>
-              <a:t>	&lt;/header</a:t>
-            </a:r>
-            <a:r>
-              <a:rPr lang="en-US" sz="1200" dirty="0" smtClean="0"/>
-              <a:t>&gt;</a:t>
-            </a:r>
-          </a:p>
-          <a:p>
-            <a:pPr defTabSz="271463"/>
-            <a:r>
-              <a:rPr lang="en-US" sz="1200" dirty="0"/>
-              <a:t>	</a:t>
-            </a:r>
-            <a:r>
-              <a:rPr lang="en-US" sz="1200" dirty="0" smtClean="0"/>
-              <a:t>…</a:t>
-            </a:r>
-            <a:endParaRPr lang="en-US" sz="1200" dirty="0"/>
+              <a:rPr lang="en-US" sz="1050" dirty="0"/>
+              <a:t>	&lt;/aside&gt;</a:t>
+            </a:r>
           </a:p>
         </p:txBody>
       </p:sp>
     </p:spTree>
     <p:extLst>
       <p:ext uri="{BB962C8B-B14F-4D97-AF65-F5344CB8AC3E}">
-        <p14:creationId xmlns:p14="http://schemas.microsoft.com/office/powerpoint/2010/main" val="690550431"/>
+        <p14:creationId xmlns:p14="http://schemas.microsoft.com/office/powerpoint/2010/main" val="774419618"/>
       </p:ext>
     </p:extLst>
   </p:cSld>
@@ -6268,8 +6401,8 @@
           <a:lstStyle/>
           <a:p>
             <a:r>
-              <a:rPr lang="en-US" smtClean="0"/>
-              <a:t>&lt;aside&gt;</a:t>
+              <a:rPr lang="en-US" dirty="0" smtClean="0"/>
+              <a:t>&lt;header&gt;</a:t>
             </a:r>
             <a:endParaRPr lang="en-US" dirty="0"/>
           </a:p>
@@ -6288,34 +6421,21 @@
         <p:spPr>
           <a:xfrm>
             <a:off x="457200" y="1600201"/>
-            <a:ext cx="3886200" cy="4525963"/>
+            <a:ext cx="8229600" cy="2133600"/>
           </a:xfrm>
         </p:spPr>
         <p:txBody>
-          <a:bodyPr>
-            <a:normAutofit fontScale="70000" lnSpcReduction="20000"/>
-          </a:bodyPr>
+          <a:bodyPr/>
           <a:lstStyle/>
           <a:p>
             <a:r>
+              <a:rPr lang="en-US" dirty="0"/>
+              <a:t>The header element represents a group of introductory or navigational aids</a:t>
+            </a:r>
+            <a:r>
               <a:rPr lang="en-US" dirty="0" smtClean="0"/>
-              <a:t>The aside element represents a section of a page that consists of content that is tangentially related to the content around the aside element, and which could be considered separate from that content. Such sections are often represented as sidebars in printed typography.</a:t>
-            </a:r>
-          </a:p>
-          <a:p>
-            <a:r>
-              <a:rPr lang="en-US" dirty="0" smtClean="0"/>
-              <a:t>The element can be used for typographical effects like pull quotes or sidebars, for advertising, for groups of </a:t>
-            </a:r>
-            <a:r>
-              <a:rPr lang="en-US" dirty="0" err="1" smtClean="0"/>
-              <a:t>nav</a:t>
-            </a:r>
-            <a:r>
-              <a:rPr lang="en-US" dirty="0" smtClean="0"/>
-              <a:t> elements, and for other content that is considered separate from the main content of the page.</a:t>
-            </a:r>
-            <a:endParaRPr lang="en-US" dirty="0"/>
+              <a:t>.</a:t>
+            </a:r>
           </a:p>
         </p:txBody>
       </p:sp>
@@ -6327,8 +6447,8 @@
         </p:nvSpPr>
         <p:spPr>
           <a:xfrm>
-            <a:off x="4267200" y="1488043"/>
-            <a:ext cx="4419600" cy="3970318"/>
+            <a:off x="2440968" y="3008392"/>
+            <a:ext cx="4262064" cy="2677656"/>
           </a:xfrm>
           <a:prstGeom prst="rect">
             <a:avLst/>
@@ -6349,259 +6469,165 @@
           </a:fontRef>
         </p:style>
         <p:txBody>
-          <a:bodyPr wrap="square" rtlCol="0">
+          <a:bodyPr wrap="none" rtlCol="0">
             <a:spAutoFit/>
           </a:bodyPr>
           <a:lstStyle/>
           <a:p>
-            <a:pPr defTabSz="271463"/>
-            <a:r>
-              <a:rPr lang="en-US" sz="1050" dirty="0"/>
+            <a:pPr defTabSz="273050"/>
+            <a:r>
+              <a:rPr lang="en-US" sz="1400" dirty="0"/>
               <a:t>&lt;body&gt;</a:t>
             </a:r>
           </a:p>
           <a:p>
-            <a:pPr defTabSz="271463"/>
-            <a:r>
-              <a:rPr lang="en-US" sz="1050" dirty="0"/>
+            <a:pPr defTabSz="273050"/>
+            <a:r>
+              <a:rPr lang="en-US" sz="1400" dirty="0"/>
               <a:t>	&lt;header&gt;</a:t>
             </a:r>
           </a:p>
           <a:p>
-            <a:pPr defTabSz="271463"/>
-            <a:r>
-              <a:rPr lang="en-US" sz="1050" dirty="0"/>
-              <a:t>		&lt;h1&gt;My wonderful blog&lt;/h1&gt;</a:t>
-            </a:r>
-          </a:p>
-          <a:p>
-            <a:pPr defTabSz="271463"/>
-            <a:r>
-              <a:rPr lang="en-US" sz="1050" dirty="0"/>
-              <a:t>		&lt;p&gt;My tagline&lt;/p&gt;</a:t>
-            </a:r>
-          </a:p>
-          <a:p>
-            <a:pPr defTabSz="271463"/>
-            <a:r>
-              <a:rPr lang="en-US" sz="1050" dirty="0"/>
-              <a:t>	&lt;/header&gt;</a:t>
-            </a:r>
-          </a:p>
-          <a:p>
-            <a:pPr defTabSz="271463"/>
-            <a:r>
-              <a:rPr lang="en-US" sz="1050" dirty="0"/>
-              <a:t>	&lt;aside&gt;</a:t>
-            </a:r>
-          </a:p>
-          <a:p>
-            <a:pPr defTabSz="271463"/>
-            <a:r>
-              <a:rPr lang="en-US" sz="1050" dirty="0"/>
-              <a:t>		&lt;!-- this aside contains two sections that are tangentially related to the page, namely, links to other blogs, and links to blog posts from this blog --&gt;</a:t>
-            </a:r>
-          </a:p>
-          <a:p>
-            <a:pPr defTabSz="271463"/>
-            <a:r>
-              <a:rPr lang="en-US" sz="1050" dirty="0"/>
+            <a:pPr defTabSz="273050"/>
+            <a:r>
+              <a:rPr lang="en-US" sz="1400" dirty="0"/>
+              <a:t>		&lt;h1&gt;Little Green Guys With Guns&lt;/h1&gt;</a:t>
+            </a:r>
+          </a:p>
+          <a:p>
+            <a:pPr defTabSz="273050"/>
+            <a:r>
+              <a:rPr lang="en-US" sz="1400" dirty="0"/>
               <a:t>		&lt;</a:t>
             </a:r>
             <a:r>
-              <a:rPr lang="en-US" sz="1050" dirty="0" err="1"/>
+              <a:rPr lang="en-US" sz="1400" dirty="0" err="1"/>
               <a:t>nav</a:t>
             </a:r>
             <a:r>
-              <a:rPr lang="en-US" sz="1050" dirty="0"/>
+              <a:rPr lang="en-US" sz="1400" dirty="0"/>
               <a:t>&gt;</a:t>
             </a:r>
           </a:p>
           <a:p>
-            <a:pPr defTabSz="271463"/>
-            <a:r>
-              <a:rPr lang="en-US" sz="1050" dirty="0"/>
-              <a:t>			&lt;h1&gt;My </a:t>
-            </a:r>
-            <a:r>
-              <a:rPr lang="en-US" sz="1050" dirty="0" err="1"/>
-              <a:t>blogroll</a:t>
-            </a:r>
-            <a:r>
-              <a:rPr lang="en-US" sz="1050" dirty="0"/>
-              <a:t>&lt;/h1&gt;</a:t>
-            </a:r>
-          </a:p>
-          <a:p>
-            <a:pPr defTabSz="271463"/>
-            <a:r>
-              <a:rPr lang="en-US" sz="1050" dirty="0"/>
+            <a:pPr defTabSz="273050"/>
+            <a:r>
+              <a:rPr lang="en-US" sz="1400" dirty="0"/>
               <a:t>			&lt;</a:t>
             </a:r>
             <a:r>
-              <a:rPr lang="en-US" sz="1050" dirty="0" err="1"/>
+              <a:rPr lang="en-US" sz="1400" dirty="0" err="1"/>
               <a:t>ul</a:t>
             </a:r>
             <a:r>
-              <a:rPr lang="en-US" sz="1050" dirty="0"/>
+              <a:rPr lang="en-US" sz="1400" dirty="0"/>
               <a:t>&gt;</a:t>
             </a:r>
           </a:p>
           <a:p>
-            <a:pPr defTabSz="271463"/>
-            <a:r>
-              <a:rPr lang="en-US" sz="1050" dirty="0"/>
+            <a:pPr defTabSz="273050"/>
+            <a:r>
+              <a:rPr lang="en-US" sz="1400" dirty="0"/>
               <a:t>				&lt;li&gt;&lt;a </a:t>
             </a:r>
             <a:r>
-              <a:rPr lang="en-US" sz="1050" dirty="0" err="1"/>
+              <a:rPr lang="en-US" sz="1400" dirty="0" err="1"/>
               <a:t>href</a:t>
             </a:r>
             <a:r>
-              <a:rPr lang="en-US" sz="1050" dirty="0"/>
-              <a:t>="http://blog.example.com/"&gt;Example Blog&lt;/a&gt;</a:t>
-            </a:r>
-          </a:p>
-          <a:p>
-            <a:pPr defTabSz="271463"/>
-            <a:r>
-              <a:rPr lang="en-US" sz="1050" dirty="0"/>
+              <a:rPr lang="en-US" sz="1400" dirty="0"/>
+              <a:t>="/games"&gt;Games&lt;/a&gt;</a:t>
+            </a:r>
+          </a:p>
+          <a:p>
+            <a:pPr defTabSz="273050"/>
+            <a:r>
+              <a:rPr lang="en-US" sz="1400" dirty="0"/>
+              <a:t>				&lt;li&gt;&lt;a </a:t>
+            </a:r>
+            <a:r>
+              <a:rPr lang="en-US" sz="1400" dirty="0" err="1"/>
+              <a:t>href</a:t>
+            </a:r>
+            <a:r>
+              <a:rPr lang="en-US" sz="1400" dirty="0"/>
+              <a:t>="/forum"&gt;Forum&lt;/a&gt;</a:t>
+            </a:r>
+          </a:p>
+          <a:p>
+            <a:pPr defTabSz="273050"/>
+            <a:r>
+              <a:rPr lang="en-US" sz="1400" dirty="0"/>
+              <a:t>				&lt;li&gt;&lt;a </a:t>
+            </a:r>
+            <a:r>
+              <a:rPr lang="en-US" sz="1400" dirty="0" err="1"/>
+              <a:t>href</a:t>
+            </a:r>
+            <a:r>
+              <a:rPr lang="en-US" sz="1400" dirty="0"/>
+              <a:t>="/download"&gt;Download&lt;/a&gt;</a:t>
+            </a:r>
+          </a:p>
+          <a:p>
+            <a:pPr defTabSz="273050"/>
+            <a:r>
+              <a:rPr lang="en-US" sz="1400" dirty="0"/>
               <a:t>			&lt;/</a:t>
             </a:r>
             <a:r>
-              <a:rPr lang="en-US" sz="1050" dirty="0" err="1"/>
+              <a:rPr lang="en-US" sz="1400" dirty="0" err="1"/>
               <a:t>ul</a:t>
             </a:r>
             <a:r>
-              <a:rPr lang="en-US" sz="1050" dirty="0"/>
+              <a:rPr lang="en-US" sz="1400" dirty="0"/>
               <a:t>&gt;</a:t>
             </a:r>
           </a:p>
           <a:p>
-            <a:pPr defTabSz="271463"/>
-            <a:r>
-              <a:rPr lang="en-US" sz="1050" dirty="0"/>
+            <a:pPr defTabSz="273050"/>
+            <a:r>
+              <a:rPr lang="en-US" sz="1400" dirty="0"/>
               <a:t>		&lt;/</a:t>
             </a:r>
             <a:r>
-              <a:rPr lang="en-US" sz="1050" dirty="0" err="1"/>
+              <a:rPr lang="en-US" sz="1400" dirty="0" err="1"/>
               <a:t>nav</a:t>
             </a:r>
             <a:r>
-              <a:rPr lang="en-US" sz="1050" dirty="0"/>
+              <a:rPr lang="en-US" sz="1400" dirty="0"/>
               <a:t>&gt;</a:t>
             </a:r>
           </a:p>
           <a:p>
-            <a:pPr defTabSz="271463"/>
-            <a:r>
-              <a:rPr lang="en-US" sz="1050" dirty="0"/>
-              <a:t>		&lt;</a:t>
-            </a:r>
-            <a:r>
-              <a:rPr lang="en-US" sz="1050" dirty="0" err="1"/>
-              <a:t>nav</a:t>
-            </a:r>
-            <a:r>
-              <a:rPr lang="en-US" sz="1050" dirty="0"/>
+            <a:pPr defTabSz="273050"/>
+            <a:r>
+              <a:rPr lang="en-US" sz="1400" dirty="0"/>
+              <a:t>		&lt;h2&gt;Important News&lt;/h2</a:t>
+            </a:r>
+            <a:r>
+              <a:rPr lang="en-US" sz="1400" dirty="0" smtClean="0"/>
               <a:t>&gt;</a:t>
             </a:r>
           </a:p>
           <a:p>
-            <a:pPr defTabSz="271463"/>
-            <a:r>
-              <a:rPr lang="en-US" sz="1050" dirty="0"/>
-              <a:t>			&lt;h1&gt;Archives&lt;/h1&gt;</a:t>
-            </a:r>
-          </a:p>
-          <a:p>
-            <a:pPr defTabSz="271463"/>
-            <a:r>
-              <a:rPr lang="en-US" sz="1050" dirty="0"/>
-              <a:t>			&lt;</a:t>
-            </a:r>
-            <a:r>
-              <a:rPr lang="en-US" sz="1050" dirty="0" err="1"/>
-              <a:t>ol</a:t>
-            </a:r>
-            <a:r>
-              <a:rPr lang="en-US" sz="1050" dirty="0"/>
-              <a:t> reversed&gt;</a:t>
-            </a:r>
-          </a:p>
-          <a:p>
-            <a:pPr defTabSz="271463"/>
-            <a:r>
-              <a:rPr lang="en-US" sz="1050" dirty="0"/>
-              <a:t>				&lt;li&gt;&lt;a </a:t>
-            </a:r>
-            <a:r>
-              <a:rPr lang="en-US" sz="1050" dirty="0" err="1"/>
-              <a:t>href</a:t>
-            </a:r>
-            <a:r>
-              <a:rPr lang="en-US" sz="1050" dirty="0"/>
-              <a:t>="/last-post"&gt;My last post&lt;/a&gt;</a:t>
-            </a:r>
-          </a:p>
-          <a:p>
-            <a:pPr defTabSz="271463"/>
-            <a:r>
-              <a:rPr lang="en-US" sz="1050" dirty="0"/>
-              <a:t>				&lt;li&gt;&lt;a </a:t>
-            </a:r>
-            <a:r>
-              <a:rPr lang="en-US" sz="1050" dirty="0" err="1"/>
-              <a:t>href</a:t>
-            </a:r>
-            <a:r>
-              <a:rPr lang="en-US" sz="1050" dirty="0"/>
-              <a:t>="/first-post"&gt;My first post&lt;/a&gt;</a:t>
-            </a:r>
-          </a:p>
-          <a:p>
-            <a:pPr defTabSz="271463"/>
-            <a:r>
-              <a:rPr lang="en-US" sz="1050" dirty="0"/>
-              <a:t>			&lt;/</a:t>
-            </a:r>
-            <a:r>
-              <a:rPr lang="en-US" sz="1050" dirty="0" err="1"/>
-              <a:t>ol</a:t>
-            </a:r>
-            <a:r>
-              <a:rPr lang="en-US" sz="1050" dirty="0"/>
-              <a:t>&gt;</a:t>
-            </a:r>
-          </a:p>
-          <a:p>
-            <a:pPr defTabSz="271463"/>
-            <a:r>
-              <a:rPr lang="en-US" sz="1050" dirty="0"/>
-              <a:t>		&lt;/</a:t>
-            </a:r>
-            <a:r>
-              <a:rPr lang="en-US" sz="1050" dirty="0" err="1"/>
-              <a:t>nav</a:t>
-            </a:r>
-            <a:r>
-              <a:rPr lang="en-US" sz="1050" dirty="0"/>
-              <a:t>&gt;</a:t>
-            </a:r>
-          </a:p>
-          <a:p>
-            <a:pPr defTabSz="271463"/>
-            <a:r>
-              <a:rPr lang="en-US" sz="1050" dirty="0"/>
-              <a:t>	&lt;/aside&gt;</a:t>
-            </a:r>
+            <a:pPr defTabSz="273050"/>
+            <a:r>
+              <a:rPr lang="en-US" sz="1400" dirty="0"/>
+              <a:t>	</a:t>
+            </a:r>
+            <a:r>
+              <a:rPr lang="en-US" sz="1400" dirty="0" smtClean="0"/>
+              <a:t>	…</a:t>
+            </a:r>
+            <a:endParaRPr lang="en-US" sz="1400" dirty="0"/>
           </a:p>
         </p:txBody>
       </p:sp>
     </p:spTree>
     <p:extLst>
       <p:ext uri="{BB962C8B-B14F-4D97-AF65-F5344CB8AC3E}">
-        <p14:creationId xmlns:p14="http://schemas.microsoft.com/office/powerpoint/2010/main" val="774419618"/>
+        <p14:creationId xmlns:p14="http://schemas.microsoft.com/office/powerpoint/2010/main" val="3825804068"/>
       </p:ext>
     </p:extLst>
   </p:cSld>
@@ -6657,7 +6683,7 @@
           <a:p>
             <a:r>
               <a:rPr lang="en-US" dirty="0" smtClean="0"/>
-              <a:t>&lt;header&gt;</a:t>
+              <a:t>&lt;footer&gt;</a:t>
             </a:r>
             <a:endParaRPr lang="en-US" dirty="0"/>
           </a:p>
@@ -6680,16 +6706,14 @@
           </a:xfrm>
         </p:spPr>
         <p:txBody>
-          <a:bodyPr/>
+          <a:bodyPr>
+            <a:normAutofit lnSpcReduction="10000"/>
+          </a:bodyPr>
           <a:lstStyle/>
           <a:p>
             <a:r>
-              <a:rPr lang="en-US" dirty="0"/>
-              <a:t>The header element represents a group of introductory or navigational aids</a:t>
-            </a:r>
-            <a:r>
               <a:rPr lang="en-US" dirty="0" smtClean="0"/>
-              <a:t>.</a:t>
+              <a:t>The footer element represents a footer for its nearest ancestor sectioning content or sectioning root element. A footer typically contains information about its section such as who wrote it, links to related documents, copyright data, and the like.</a:t>
             </a:r>
           </a:p>
         </p:txBody>
@@ -6702,8 +6726,8 @@
         </p:nvSpPr>
         <p:spPr>
           <a:xfrm>
-            <a:off x="2440968" y="3008392"/>
-            <a:ext cx="4262064" cy="2677656"/>
+            <a:off x="581531" y="3598176"/>
+            <a:ext cx="8000999" cy="2677656"/>
           </a:xfrm>
           <a:prstGeom prst="rect">
             <a:avLst/>
@@ -6724,165 +6748,305 @@
           </a:fontRef>
         </p:style>
         <p:txBody>
-          <a:bodyPr wrap="none" rtlCol="0">
+          <a:bodyPr wrap="square" rtlCol="0">
             <a:spAutoFit/>
           </a:bodyPr>
           <a:lstStyle/>
           <a:p>
-            <a:pPr defTabSz="273050"/>
-            <a:r>
-              <a:rPr lang="en-US" sz="1400" dirty="0"/>
-              <a:t>&lt;body&gt;</a:t>
-            </a:r>
-          </a:p>
-          <a:p>
-            <a:pPr defTabSz="273050"/>
-            <a:r>
-              <a:rPr lang="en-US" sz="1400" dirty="0"/>
-              <a:t>	&lt;header&gt;</a:t>
-            </a:r>
-          </a:p>
-          <a:p>
-            <a:pPr defTabSz="273050"/>
-            <a:r>
-              <a:rPr lang="en-US" sz="1400" dirty="0"/>
-              <a:t>		&lt;h1&gt;Little Green Guys With Guns&lt;/h1&gt;</a:t>
-            </a:r>
-          </a:p>
-          <a:p>
-            <a:pPr defTabSz="273050"/>
-            <a:r>
-              <a:rPr lang="en-US" sz="1400" dirty="0"/>
-              <a:t>		&lt;</a:t>
-            </a:r>
-            <a:r>
-              <a:rPr lang="en-US" sz="1400" dirty="0" err="1"/>
+            <a:pPr defTabSz="271463"/>
+            <a:r>
+              <a:rPr lang="en-US" sz="1200" dirty="0"/>
+              <a:t>		</a:t>
+            </a:r>
+            <a:r>
+              <a:rPr lang="en-US" sz="1200" dirty="0" smtClean="0"/>
+              <a:t>…</a:t>
+            </a:r>
+          </a:p>
+          <a:p>
+            <a:pPr defTabSz="271463"/>
+            <a:r>
+              <a:rPr lang="en-US" sz="1200" dirty="0" smtClean="0"/>
+              <a:t>		&lt;footer&gt; </a:t>
+            </a:r>
+            <a:r>
+              <a:rPr lang="en-US" sz="1200" dirty="0"/>
+              <a:t>&lt;!-- footer for article --&gt;</a:t>
+            </a:r>
+          </a:p>
+          <a:p>
+            <a:pPr defTabSz="271463"/>
+            <a:r>
+              <a:rPr lang="en-US" sz="1200" dirty="0"/>
+              <a:t>			</a:t>
+            </a:r>
+            <a:r>
+              <a:rPr lang="en-US" sz="1200" dirty="0" smtClean="0"/>
+              <a:t>&lt;p&gt;Published &lt;time </a:t>
+            </a:r>
+            <a:r>
+              <a:rPr lang="en-US" sz="1200" dirty="0" err="1" smtClean="0"/>
+              <a:t>pubdate</a:t>
+            </a:r>
+            <a:r>
+              <a:rPr lang="en-US" sz="1200" dirty="0" smtClean="0"/>
+              <a:t> </a:t>
+            </a:r>
+            <a:r>
+              <a:rPr lang="en-US" sz="1200" dirty="0" err="1" smtClean="0"/>
+              <a:t>datetime</a:t>
+            </a:r>
+            <a:r>
+              <a:rPr lang="en-US" sz="1200" dirty="0" smtClean="0"/>
+              <a:t>="</a:t>
+            </a:r>
+            <a:r>
+              <a:rPr lang="en-US" sz="1200" dirty="0"/>
+              <a:t>2009-09-15T14:54-07:00</a:t>
+            </a:r>
+            <a:r>
+              <a:rPr lang="en-US" sz="1200" dirty="0" smtClean="0"/>
+              <a:t>"&gt;&lt;/time&gt;&lt;/</a:t>
+            </a:r>
+            <a:r>
+              <a:rPr lang="en-US" sz="1200" dirty="0"/>
+              <a:t>p</a:t>
+            </a:r>
+            <a:r>
+              <a:rPr lang="en-US" sz="1200" dirty="0" smtClean="0"/>
+              <a:t>&gt;</a:t>
+            </a:r>
+            <a:endParaRPr lang="en-US" sz="1200" dirty="0"/>
+          </a:p>
+          <a:p>
+            <a:pPr defTabSz="271463"/>
+            <a:r>
+              <a:rPr lang="en-US" sz="1200" dirty="0"/>
+              <a:t>		</a:t>
+            </a:r>
+            <a:r>
+              <a:rPr lang="en-US" sz="1200" dirty="0" smtClean="0"/>
+              <a:t>&lt;/footer&gt;</a:t>
+            </a:r>
+            <a:endParaRPr lang="en-US" sz="1200" dirty="0"/>
+          </a:p>
+          <a:p>
+            <a:pPr defTabSz="271463"/>
+            <a:r>
+              <a:rPr lang="en-US" sz="1200" dirty="0"/>
+              <a:t>		</a:t>
+            </a:r>
+            <a:r>
+              <a:rPr lang="en-US" sz="1200" dirty="0" smtClean="0"/>
+              <a:t>&lt;/article&gt;</a:t>
+            </a:r>
+            <a:endParaRPr lang="en-US" sz="1200" dirty="0"/>
+          </a:p>
+          <a:p>
+            <a:pPr defTabSz="271463"/>
+            <a:r>
+              <a:rPr lang="en-US" sz="1200" dirty="0"/>
+              <a:t>		</a:t>
+            </a:r>
+            <a:r>
+              <a:rPr lang="en-US" sz="1200" dirty="0" smtClean="0"/>
+              <a:t>&lt;footer&gt; </a:t>
+            </a:r>
+            <a:r>
+              <a:rPr lang="en-US" sz="1200" dirty="0"/>
+              <a:t>&lt;!-- site wide footer --&gt;</a:t>
+            </a:r>
+          </a:p>
+          <a:p>
+            <a:pPr defTabSz="271463"/>
+            <a:r>
+              <a:rPr lang="en-US" sz="1200" dirty="0"/>
+              <a:t>			</a:t>
+            </a:r>
+            <a:r>
+              <a:rPr lang="en-US" sz="1200" dirty="0" smtClean="0"/>
+              <a:t>&lt;</a:t>
+            </a:r>
+            <a:r>
+              <a:rPr lang="en-US" sz="1200" dirty="0" err="1" smtClean="0"/>
               <a:t>nav</a:t>
             </a:r>
             <a:r>
-              <a:rPr lang="en-US" sz="1400" dirty="0"/>
+              <a:rPr lang="en-US" sz="1200" dirty="0" smtClean="0"/>
               <a:t>&gt;</a:t>
             </a:r>
-          </a:p>
-          <a:p>
-            <a:pPr defTabSz="273050"/>
-            <a:r>
-              <a:rPr lang="en-US" sz="1400" dirty="0"/>
-              <a:t>			&lt;</a:t>
-            </a:r>
-            <a:r>
-              <a:rPr lang="en-US" sz="1400" dirty="0" err="1"/>
-              <a:t>ul</a:t>
-            </a:r>
-            <a:r>
-              <a:rPr lang="en-US" sz="1400" dirty="0"/>
+            <a:endParaRPr lang="en-US" sz="1200" dirty="0"/>
+          </a:p>
+          <a:p>
+            <a:pPr defTabSz="271463"/>
+            <a:r>
+              <a:rPr lang="en-US" sz="1200" dirty="0"/>
+              <a:t>				</a:t>
+            </a:r>
+            <a:r>
+              <a:rPr lang="en-US" sz="1200" dirty="0" smtClean="0"/>
+              <a:t>&lt;p&gt;&lt;a </a:t>
+            </a:r>
+            <a:r>
+              <a:rPr lang="en-US" sz="1200" dirty="0" err="1" smtClean="0"/>
+              <a:t>href</a:t>
+            </a:r>
+            <a:r>
+              <a:rPr lang="en-US" sz="1200" dirty="0" smtClean="0"/>
+              <a:t>="/</a:t>
+            </a:r>
+            <a:r>
+              <a:rPr lang="en-US" sz="1200" dirty="0"/>
+              <a:t>credits.html"&gt;Credits</a:t>
+            </a:r>
+            <a:r>
+              <a:rPr lang="en-US" sz="1200" dirty="0" smtClean="0"/>
+              <a:t>&lt;/a&gt; </a:t>
+            </a:r>
+            <a:r>
+              <a:rPr lang="en-US" sz="1200" dirty="0"/>
+              <a:t>— </a:t>
+            </a:r>
+            <a:r>
+              <a:rPr lang="en-US" sz="1200" dirty="0" smtClean="0"/>
+              <a:t>&lt;a </a:t>
+            </a:r>
+            <a:r>
+              <a:rPr lang="en-US" sz="1200" dirty="0" err="1" smtClean="0"/>
+              <a:t>href</a:t>
+            </a:r>
+            <a:r>
+              <a:rPr lang="en-US" sz="1200" dirty="0" smtClean="0"/>
+              <a:t>="/</a:t>
+            </a:r>
+            <a:r>
+              <a:rPr lang="en-US" sz="1200" dirty="0"/>
+              <a:t>tos.html"&gt;Terms of Service</a:t>
+            </a:r>
+            <a:r>
+              <a:rPr lang="en-US" sz="1200" dirty="0" smtClean="0"/>
+              <a:t>&lt;/a&gt; </a:t>
+            </a:r>
+            <a:r>
+              <a:rPr lang="en-US" sz="1200" dirty="0"/>
+              <a:t>—	</a:t>
+            </a:r>
+            <a:r>
+              <a:rPr lang="en-US" sz="1200" dirty="0" smtClean="0"/>
+              <a:t>&lt;a </a:t>
+            </a:r>
+            <a:r>
+              <a:rPr lang="en-US" sz="1200" dirty="0" err="1" smtClean="0"/>
+              <a:t>href</a:t>
+            </a:r>
+            <a:r>
+              <a:rPr lang="en-US" sz="1200" dirty="0" smtClean="0"/>
+              <a:t>="/</a:t>
+            </a:r>
+            <a:r>
+              <a:rPr lang="en-US" sz="1200" dirty="0"/>
+              <a:t>index.html"&gt;Blog Index</a:t>
+            </a:r>
+            <a:r>
+              <a:rPr lang="en-US" sz="1200" dirty="0" smtClean="0"/>
+              <a:t>&lt;/a&gt;&lt;/</a:t>
+            </a:r>
+            <a:r>
+              <a:rPr lang="en-US" sz="1200" dirty="0"/>
+              <a:t>p</a:t>
+            </a:r>
+            <a:r>
+              <a:rPr lang="en-US" sz="1200" dirty="0" smtClean="0"/>
               <a:t>&gt;</a:t>
             </a:r>
-          </a:p>
-          <a:p>
-            <a:pPr defTabSz="273050"/>
-            <a:r>
-              <a:rPr lang="en-US" sz="1400" dirty="0"/>
-              <a:t>				&lt;li&gt;&lt;a </a:t>
-            </a:r>
-            <a:r>
-              <a:rPr lang="en-US" sz="1400" dirty="0" err="1"/>
-              <a:t>href</a:t>
-            </a:r>
-            <a:r>
-              <a:rPr lang="en-US" sz="1400" dirty="0"/>
-              <a:t>="/games"&gt;Games&lt;/a&gt;</a:t>
-            </a:r>
-          </a:p>
-          <a:p>
-            <a:pPr defTabSz="273050"/>
-            <a:r>
-              <a:rPr lang="en-US" sz="1400" dirty="0"/>
-              <a:t>				&lt;li&gt;&lt;a </a:t>
-            </a:r>
-            <a:r>
-              <a:rPr lang="en-US" sz="1400" dirty="0" err="1"/>
-              <a:t>href</a:t>
-            </a:r>
-            <a:r>
-              <a:rPr lang="en-US" sz="1400" dirty="0"/>
-              <a:t>="/forum"&gt;Forum&lt;/a&gt;</a:t>
-            </a:r>
-          </a:p>
-          <a:p>
-            <a:pPr defTabSz="273050"/>
-            <a:r>
-              <a:rPr lang="en-US" sz="1400" dirty="0"/>
-              <a:t>				&lt;li&gt;&lt;a </a:t>
-            </a:r>
-            <a:r>
-              <a:rPr lang="en-US" sz="1400" dirty="0" err="1"/>
-              <a:t>href</a:t>
-            </a:r>
-            <a:r>
-              <a:rPr lang="en-US" sz="1400" dirty="0"/>
-              <a:t>="/download"&gt;Download&lt;/a&gt;</a:t>
-            </a:r>
-          </a:p>
-          <a:p>
-            <a:pPr defTabSz="273050"/>
-            <a:r>
-              <a:rPr lang="en-US" sz="1400" dirty="0"/>
-              <a:t>			&lt;/</a:t>
-            </a:r>
-            <a:r>
-              <a:rPr lang="en-US" sz="1400" dirty="0" err="1"/>
-              <a:t>ul</a:t>
-            </a:r>
-            <a:r>
-              <a:rPr lang="en-US" sz="1400" dirty="0"/>
+            <a:endParaRPr lang="en-US" sz="1200" dirty="0"/>
+          </a:p>
+          <a:p>
+            <a:pPr defTabSz="271463"/>
+            <a:r>
+              <a:rPr lang="en-US" sz="1200" dirty="0"/>
+              <a:t>			</a:t>
+            </a:r>
+            <a:r>
+              <a:rPr lang="en-US" sz="1200" dirty="0" smtClean="0"/>
+              <a:t>&lt;/</a:t>
+            </a:r>
+            <a:r>
+              <a:rPr lang="en-US" sz="1200" dirty="0" err="1" smtClean="0"/>
+              <a:t>nav</a:t>
+            </a:r>
+            <a:r>
+              <a:rPr lang="en-US" sz="1200" dirty="0" smtClean="0"/>
               <a:t>&gt;</a:t>
             </a:r>
-          </a:p>
-          <a:p>
-            <a:pPr defTabSz="273050"/>
-            <a:r>
-              <a:rPr lang="en-US" sz="1400" dirty="0"/>
-              <a:t>		&lt;/</a:t>
-            </a:r>
-            <a:r>
-              <a:rPr lang="en-US" sz="1400" dirty="0" err="1"/>
-              <a:t>nav</a:t>
-            </a:r>
-            <a:r>
-              <a:rPr lang="en-US" sz="1400" dirty="0"/>
+            <a:endParaRPr lang="en-US" sz="1200" dirty="0"/>
+          </a:p>
+          <a:p>
+            <a:pPr defTabSz="271463"/>
+            <a:r>
+              <a:rPr lang="en-US" sz="1200" dirty="0"/>
+              <a:t>			</a:t>
+            </a:r>
+            <a:r>
+              <a:rPr lang="en-US" sz="1200" dirty="0" smtClean="0"/>
+              <a:t>&lt;p&gt;Copyright </a:t>
+            </a:r>
+            <a:r>
+              <a:rPr lang="en-US" sz="1200" dirty="0"/>
+              <a:t>© </a:t>
+            </a:r>
+            <a:r>
+              <a:rPr lang="en-US" sz="1200" dirty="0" smtClean="0"/>
+              <a:t>2014&lt;/</a:t>
+            </a:r>
+            <a:r>
+              <a:rPr lang="en-US" sz="1200" dirty="0"/>
+              <a:t>p</a:t>
+            </a:r>
+            <a:r>
+              <a:rPr lang="en-US" sz="1200" dirty="0" smtClean="0"/>
               <a:t>&gt;</a:t>
             </a:r>
-          </a:p>
-          <a:p>
-            <a:pPr defTabSz="273050"/>
-            <a:r>
-              <a:rPr lang="en-US" sz="1400" dirty="0"/>
-              <a:t>		&lt;h2&gt;Important News&lt;/h2</a:t>
-            </a:r>
-            <a:r>
-              <a:rPr lang="en-US" sz="1400" dirty="0" smtClean="0"/>
-              <a:t>&gt;</a:t>
-            </a:r>
-          </a:p>
-          <a:p>
-            <a:pPr defTabSz="273050"/>
-            <a:r>
-              <a:rPr lang="en-US" sz="1400" dirty="0"/>
+            <a:endParaRPr lang="en-US" sz="1200" dirty="0"/>
+          </a:p>
+          <a:p>
+            <a:pPr defTabSz="271463"/>
+            <a:r>
+              <a:rPr lang="en-US" sz="1200" dirty="0"/>
+              <a:t>		</a:t>
+            </a:r>
+            <a:r>
+              <a:rPr lang="en-US" sz="1200" dirty="0" smtClean="0"/>
+              <a:t>&lt;/footer&gt;</a:t>
+            </a:r>
+            <a:endParaRPr lang="en-US" sz="1200" dirty="0"/>
+          </a:p>
+          <a:p>
+            <a:pPr defTabSz="271463"/>
+            <a:r>
+              <a:rPr lang="en-US" sz="1200" dirty="0"/>
               <a:t>	</a:t>
             </a:r>
             <a:r>
-              <a:rPr lang="en-US" sz="1400" dirty="0" smtClean="0"/>
-              <a:t>	…</a:t>
-            </a:r>
-            <a:endParaRPr lang="en-US" sz="1400" dirty="0"/>
+              <a:rPr lang="en-US" sz="1200" dirty="0" smtClean="0"/>
+              <a:t>&lt;/body&gt;</a:t>
+            </a:r>
+            <a:endParaRPr lang="en-US" sz="1200" dirty="0"/>
+          </a:p>
+          <a:p>
+            <a:pPr defTabSz="271463"/>
+            <a:r>
+              <a:rPr lang="en-US" sz="1200" dirty="0" smtClean="0"/>
+              <a:t>&lt;/html&gt;</a:t>
+            </a:r>
+            <a:endParaRPr lang="en-US" sz="1200" dirty="0"/>
           </a:p>
         </p:txBody>
       </p:sp>
     </p:spTree>
     <p:extLst>
       <p:ext uri="{BB962C8B-B14F-4D97-AF65-F5344CB8AC3E}">
-        <p14:creationId xmlns:p14="http://schemas.microsoft.com/office/powerpoint/2010/main" val="3825804068"/>
+        <p14:creationId xmlns:p14="http://schemas.microsoft.com/office/powerpoint/2010/main" val="3165211382"/>
       </p:ext>
     </p:extLst>
   </p:cSld>
@@ -6938,7 +7102,15 @@
           <a:p>
             <a:r>
               <a:rPr lang="en-US" dirty="0" smtClean="0"/>
-              <a:t>&lt;footer&gt;</a:t>
+              <a:t>&lt;</a:t>
+            </a:r>
+            <a:r>
+              <a:rPr lang="en-US" dirty="0" err="1" smtClean="0"/>
+              <a:t>hgroup</a:t>
+            </a:r>
+            <a:r>
+              <a:rPr lang="en-US" dirty="0" smtClean="0"/>
+              <a:t>&gt;</a:t>
             </a:r>
             <a:endParaRPr lang="en-US" dirty="0"/>
           </a:p>
@@ -6957,18 +7129,52 @@
         <p:spPr>
           <a:xfrm>
             <a:off x="457200" y="1600201"/>
-            <a:ext cx="8229600" cy="2133600"/>
+            <a:ext cx="8229600" cy="2819400"/>
           </a:xfrm>
         </p:spPr>
         <p:txBody>
           <a:bodyPr>
-            <a:normAutofit lnSpcReduction="10000"/>
+            <a:normAutofit fontScale="92500" lnSpcReduction="10000"/>
           </a:bodyPr>
           <a:lstStyle/>
           <a:p>
             <a:r>
+              <a:rPr lang="en-US" dirty="0"/>
+              <a:t>The </a:t>
+            </a:r>
+            <a:r>
+              <a:rPr lang="en-US" dirty="0" err="1"/>
+              <a:t>hgroup</a:t>
+            </a:r>
+            <a:r>
+              <a:rPr lang="en-US" dirty="0"/>
+              <a:t> element represents the heading of a section. The element is used to group a set of h1–h6 elements when the heading has multiple levels, such as subheadings, alternative titles, or taglines</a:t>
+            </a:r>
+            <a:r>
               <a:rPr lang="en-US" dirty="0" smtClean="0"/>
-              <a:t>The footer element represents a footer for its nearest ancestor sectioning content or sectioning root element. A footer typically contains information about its section such as who wrote it, links to related documents, copyright data, and the like.</a:t>
+              <a:t>.</a:t>
+            </a:r>
+          </a:p>
+          <a:p>
+            <a:r>
+              <a:rPr lang="en-US" dirty="0"/>
+              <a:t>The point of using </a:t>
+            </a:r>
+            <a:r>
+              <a:rPr lang="en-US" dirty="0" err="1"/>
+              <a:t>hgroup</a:t>
+            </a:r>
+            <a:r>
+              <a:rPr lang="en-US" dirty="0"/>
+              <a:t> in </a:t>
+            </a:r>
+            <a:r>
+              <a:rPr lang="en-US" dirty="0" smtClean="0"/>
+              <a:t>this example </a:t>
+            </a:r>
+            <a:r>
+              <a:rPr lang="en-US" dirty="0"/>
+              <a:t>is to mask the h2 element (which acts as a secondary title) from the outline algorithm.</a:t>
             </a:r>
           </a:p>
         </p:txBody>
@@ -6981,8 +7187,8 @@
         </p:nvSpPr>
         <p:spPr>
           <a:xfrm>
-            <a:off x="581531" y="3598176"/>
-            <a:ext cx="8000999" cy="2677656"/>
+            <a:off x="1143002" y="4800601"/>
+            <a:ext cx="3882281" cy="1200329"/>
           </a:xfrm>
           <a:prstGeom prst="rect">
             <a:avLst/>
@@ -7003,305 +7209,60 @@
           </a:fontRef>
         </p:style>
         <p:txBody>
-          <a:bodyPr wrap="square" rtlCol="0">
+          <a:bodyPr wrap="none" rtlCol="0">
             <a:spAutoFit/>
           </a:bodyPr>
           <a:lstStyle/>
           <a:p>
-            <a:pPr defTabSz="271463"/>
-            <a:r>
-              <a:rPr lang="en-US" sz="1200" dirty="0"/>
-              <a:t>		</a:t>
-            </a:r>
-            <a:r>
-              <a:rPr lang="en-US" sz="1200" dirty="0" smtClean="0"/>
-              <a:t>…</a:t>
-            </a:r>
-          </a:p>
-          <a:p>
-            <a:pPr defTabSz="271463"/>
-            <a:r>
-              <a:rPr lang="en-US" sz="1200" dirty="0" smtClean="0"/>
-              <a:t>		&lt;footer&gt; </a:t>
-            </a:r>
-            <a:r>
-              <a:rPr lang="en-US" sz="1200" dirty="0"/>
-              <a:t>&lt;!-- footer for article --&gt;</a:t>
-            </a:r>
-          </a:p>
-          <a:p>
-            <a:pPr defTabSz="271463"/>
-            <a:r>
-              <a:rPr lang="en-US" sz="1200" dirty="0"/>
-              <a:t>			</a:t>
-            </a:r>
-            <a:r>
-              <a:rPr lang="en-US" sz="1200" dirty="0" smtClean="0"/>
-              <a:t>&lt;p&gt;Published &lt;time </a:t>
-            </a:r>
-            <a:r>
-              <a:rPr lang="en-US" sz="1200" dirty="0" err="1" smtClean="0"/>
-              <a:t>pubdate</a:t>
-            </a:r>
-            <a:r>
-              <a:rPr lang="en-US" sz="1200" dirty="0" smtClean="0"/>
-              <a:t> </a:t>
-            </a:r>
-            <a:r>
-              <a:rPr lang="en-US" sz="1200" dirty="0" err="1" smtClean="0"/>
-              <a:t>datetime</a:t>
-            </a:r>
-            <a:r>
-              <a:rPr lang="en-US" sz="1200" dirty="0" smtClean="0"/>
-              <a:t>="</a:t>
-            </a:r>
-            <a:r>
-              <a:rPr lang="en-US" sz="1200" dirty="0"/>
-              <a:t>2009-09-15T14:54-07:00</a:t>
-            </a:r>
-            <a:r>
-              <a:rPr lang="en-US" sz="1200" dirty="0" smtClean="0"/>
-              <a:t>"&gt;&lt;/time&gt;&lt;/</a:t>
-            </a:r>
-            <a:r>
-              <a:rPr lang="en-US" sz="1200" dirty="0"/>
-              <a:t>p</a:t>
-            </a:r>
-            <a:r>
-              <a:rPr lang="en-US" sz="1200" dirty="0" smtClean="0"/>
+            <a:pPr defTabSz="273050"/>
+            <a:r>
+              <a:rPr lang="en-US" dirty="0"/>
+              <a:t>&lt;</a:t>
+            </a:r>
+            <a:r>
+              <a:rPr lang="en-US" dirty="0" err="1"/>
+              <a:t>hgroup</a:t>
+            </a:r>
+            <a:r>
+              <a:rPr lang="en-US" dirty="0"/>
               <a:t>&gt;</a:t>
             </a:r>
-            <a:endParaRPr lang="en-US" sz="1200" dirty="0"/>
-          </a:p>
-          <a:p>
-            <a:pPr defTabSz="271463"/>
-            <a:r>
-              <a:rPr lang="en-US" sz="1200" dirty="0"/>
-              <a:t>		</a:t>
-            </a:r>
-            <a:r>
-              <a:rPr lang="en-US" sz="1200" dirty="0" smtClean="0"/>
-              <a:t>&lt;/footer&gt;</a:t>
-            </a:r>
-            <a:endParaRPr lang="en-US" sz="1200" dirty="0"/>
-          </a:p>
-          <a:p>
-            <a:pPr defTabSz="271463"/>
-            <a:r>
-              <a:rPr lang="en-US" sz="1200" dirty="0"/>
-              <a:t>		</a:t>
-            </a:r>
-            <a:r>
-              <a:rPr lang="en-US" sz="1200" dirty="0" smtClean="0"/>
-              <a:t>&lt;/article&gt;</a:t>
-            </a:r>
-            <a:endParaRPr lang="en-US" sz="1200" dirty="0"/>
-          </a:p>
-          <a:p>
-            <a:pPr defTabSz="271463"/>
-            <a:r>
-              <a:rPr lang="en-US" sz="1200" dirty="0"/>
-              <a:t>		</a:t>
-            </a:r>
-            <a:r>
-              <a:rPr lang="en-US" sz="1200" dirty="0" smtClean="0"/>
-              <a:t>&lt;footer&gt; </a:t>
-            </a:r>
-            <a:r>
-              <a:rPr lang="en-US" sz="1200" dirty="0"/>
-              <a:t>&lt;!-- site wide footer --&gt;</a:t>
-            </a:r>
-          </a:p>
-          <a:p>
-            <a:pPr defTabSz="271463"/>
-            <a:r>
-              <a:rPr lang="en-US" sz="1200" dirty="0"/>
-              <a:t>			</a:t>
-            </a:r>
-            <a:r>
-              <a:rPr lang="en-US" sz="1200" dirty="0" smtClean="0"/>
-              <a:t>&lt;</a:t>
-            </a:r>
-            <a:r>
-              <a:rPr lang="en-US" sz="1200" dirty="0" err="1" smtClean="0"/>
-              <a:t>nav</a:t>
-            </a:r>
-            <a:r>
-              <a:rPr lang="en-US" sz="1200" dirty="0" smtClean="0"/>
+          </a:p>
+          <a:p>
+            <a:pPr defTabSz="273050"/>
+            <a:r>
+              <a:rPr lang="en-US" dirty="0"/>
+              <a:t>	&lt;h1&gt;The reality dysfunction&lt;/h1&gt;</a:t>
+            </a:r>
+          </a:p>
+          <a:p>
+            <a:pPr defTabSz="273050"/>
+            <a:r>
+              <a:rPr lang="en-US" dirty="0"/>
+              <a:t>	&lt;h2&gt;Space is not the only void&lt;/h2&gt;</a:t>
+            </a:r>
+          </a:p>
+          <a:p>
+            <a:pPr defTabSz="273050"/>
+            <a:r>
+              <a:rPr lang="en-US" dirty="0"/>
+              <a:t>&lt;/</a:t>
+            </a:r>
+            <a:r>
+              <a:rPr lang="en-US" dirty="0" err="1"/>
+              <a:t>hgroup</a:t>
+            </a:r>
+            <a:r>
+              <a:rPr lang="en-US" dirty="0"/>
               <a:t>&gt;</a:t>
             </a:r>
-            <a:endParaRPr lang="en-US" sz="1200" dirty="0"/>
-          </a:p>
-          <a:p>
-            <a:pPr defTabSz="271463"/>
-            <a:r>
-              <a:rPr lang="en-US" sz="1200" dirty="0"/>
-              <a:t>				</a:t>
-            </a:r>
-            <a:r>
-              <a:rPr lang="en-US" sz="1200" dirty="0" smtClean="0"/>
-              <a:t>&lt;p&gt;&lt;a </a:t>
-            </a:r>
-            <a:r>
-              <a:rPr lang="en-US" sz="1200" dirty="0" err="1" smtClean="0"/>
-              <a:t>href</a:t>
-            </a:r>
-            <a:r>
-              <a:rPr lang="en-US" sz="1200" dirty="0" smtClean="0"/>
-              <a:t>="/</a:t>
-            </a:r>
-            <a:r>
-              <a:rPr lang="en-US" sz="1200" dirty="0"/>
-              <a:t>credits.html"&gt;Credits</a:t>
-            </a:r>
-            <a:r>
-              <a:rPr lang="en-US" sz="1200" dirty="0" smtClean="0"/>
-              <a:t>&lt;/a&gt; </a:t>
-            </a:r>
-            <a:r>
-              <a:rPr lang="en-US" sz="1200" dirty="0"/>
-              <a:t>— </a:t>
-            </a:r>
-            <a:r>
-              <a:rPr lang="en-US" sz="1200" dirty="0" smtClean="0"/>
-              <a:t>&lt;a </a:t>
-            </a:r>
-            <a:r>
-              <a:rPr lang="en-US" sz="1200" dirty="0" err="1" smtClean="0"/>
-              <a:t>href</a:t>
-            </a:r>
-            <a:r>
-              <a:rPr lang="en-US" sz="1200" dirty="0" smtClean="0"/>
-              <a:t>="/</a:t>
-            </a:r>
-            <a:r>
-              <a:rPr lang="en-US" sz="1200" dirty="0"/>
-              <a:t>tos.html"&gt;Terms of Service</a:t>
-            </a:r>
-            <a:r>
-              <a:rPr lang="en-US" sz="1200" dirty="0" smtClean="0"/>
-              <a:t>&lt;/a&gt; </a:t>
-            </a:r>
-            <a:r>
-              <a:rPr lang="en-US" sz="1200" dirty="0"/>
-              <a:t>—	</a:t>
-            </a:r>
-            <a:r>
-              <a:rPr lang="en-US" sz="1200" dirty="0" smtClean="0"/>
-              <a:t>&lt;a </a:t>
-            </a:r>
-            <a:r>
-              <a:rPr lang="en-US" sz="1200" dirty="0" err="1" smtClean="0"/>
-              <a:t>href</a:t>
-            </a:r>
-            <a:r>
-              <a:rPr lang="en-US" sz="1200" dirty="0" smtClean="0"/>
-              <a:t>="/</a:t>
-            </a:r>
-            <a:r>
-              <a:rPr lang="en-US" sz="1200" dirty="0"/>
-              <a:t>index.html"&gt;Blog Index</a:t>
-            </a:r>
-            <a:r>
-              <a:rPr lang="en-US" sz="1200" dirty="0" smtClean="0"/>
-              <a:t>&lt;/a&gt;&lt;/</a:t>
-            </a:r>
-            <a:r>
-              <a:rPr lang="en-US" sz="1200" dirty="0"/>
-              <a:t>p</a:t>
-            </a:r>
-            <a:r>
-              <a:rPr lang="en-US" sz="1200" dirty="0" smtClean="0"/>
-              <a:t>&gt;</a:t>
-            </a:r>
-            <a:endParaRPr lang="en-US" sz="1200" dirty="0"/>
-          </a:p>
-          <a:p>
-            <a:pPr defTabSz="271463"/>
-            <a:r>
-              <a:rPr lang="en-US" sz="1200" dirty="0"/>
-              <a:t>			</a:t>
-            </a:r>
-            <a:r>
-              <a:rPr lang="en-US" sz="1200" dirty="0" smtClean="0"/>
-              <a:t>&lt;/</a:t>
-            </a:r>
-            <a:r>
-              <a:rPr lang="en-US" sz="1200" dirty="0" err="1" smtClean="0"/>
-              <a:t>nav</a:t>
-            </a:r>
-            <a:r>
-              <a:rPr lang="en-US" sz="1200" dirty="0" smtClean="0"/>
-              <a:t>&gt;</a:t>
-            </a:r>
-            <a:endParaRPr lang="en-US" sz="1200" dirty="0"/>
-          </a:p>
-          <a:p>
-            <a:pPr defTabSz="271463"/>
-            <a:r>
-              <a:rPr lang="en-US" sz="1200" dirty="0"/>
-              <a:t>			</a:t>
-            </a:r>
-            <a:r>
-              <a:rPr lang="en-US" sz="1200" dirty="0" smtClean="0"/>
-              <a:t>&lt;p&gt;Copyright </a:t>
-            </a:r>
-            <a:r>
-              <a:rPr lang="en-US" sz="1200" dirty="0"/>
-              <a:t>© </a:t>
-            </a:r>
-            <a:r>
-              <a:rPr lang="en-US" sz="1200" dirty="0" smtClean="0"/>
-              <a:t>2014&lt;/</a:t>
-            </a:r>
-            <a:r>
-              <a:rPr lang="en-US" sz="1200" dirty="0"/>
-              <a:t>p</a:t>
-            </a:r>
-            <a:r>
-              <a:rPr lang="en-US" sz="1200" dirty="0" smtClean="0"/>
-              <a:t>&gt;</a:t>
-            </a:r>
-            <a:endParaRPr lang="en-US" sz="1200" dirty="0"/>
-          </a:p>
-          <a:p>
-            <a:pPr defTabSz="271463"/>
-            <a:r>
-              <a:rPr lang="en-US" sz="1200" dirty="0"/>
-              <a:t>		</a:t>
-            </a:r>
-            <a:r>
-              <a:rPr lang="en-US" sz="1200" dirty="0" smtClean="0"/>
-              <a:t>&lt;/footer&gt;</a:t>
-            </a:r>
-            <a:endParaRPr lang="en-US" sz="1200" dirty="0"/>
-          </a:p>
-          <a:p>
-            <a:pPr defTabSz="271463"/>
-            <a:r>
-              <a:rPr lang="en-US" sz="1200" dirty="0"/>
-              <a:t>	</a:t>
-            </a:r>
-            <a:r>
-              <a:rPr lang="en-US" sz="1200" dirty="0" smtClean="0"/>
-              <a:t>&lt;/body&gt;</a:t>
-            </a:r>
-            <a:endParaRPr lang="en-US" sz="1200" dirty="0"/>
-          </a:p>
-          <a:p>
-            <a:pPr defTabSz="271463"/>
-            <a:r>
-              <a:rPr lang="en-US" sz="1200" dirty="0" smtClean="0"/>
-              <a:t>&lt;/html&gt;</a:t>
-            </a:r>
-            <a:endParaRPr lang="en-US" sz="1200" dirty="0"/>
           </a:p>
         </p:txBody>
       </p:sp>
     </p:spTree>
     <p:extLst>
       <p:ext uri="{BB962C8B-B14F-4D97-AF65-F5344CB8AC3E}">
-        <p14:creationId xmlns:p14="http://schemas.microsoft.com/office/powerpoint/2010/main" val="3165211382"/>
+        <p14:creationId xmlns:p14="http://schemas.microsoft.com/office/powerpoint/2010/main" val="3321454141"/>
       </p:ext>
     </p:extLst>
   </p:cSld>
@@ -7357,15 +7318,7 @@
           <a:p>
             <a:r>
               <a:rPr lang="en-US" dirty="0" smtClean="0"/>
-              <a:t>&lt;</a:t>
-            </a:r>
-            <a:r>
-              <a:rPr lang="en-US" dirty="0" err="1" smtClean="0"/>
-              <a:t>hgroup</a:t>
-            </a:r>
-            <a:r>
-              <a:rPr lang="en-US" dirty="0" smtClean="0"/>
-              <a:t>&gt;</a:t>
+              <a:t>&lt;figure&gt;</a:t>
             </a:r>
             <a:endParaRPr lang="en-US" dirty="0"/>
           </a:p>
@@ -7384,52 +7337,18 @@
         <p:spPr>
           <a:xfrm>
             <a:off x="457200" y="1600201"/>
-            <a:ext cx="8229600" cy="2819400"/>
+            <a:ext cx="8229600" cy="3200400"/>
           </a:xfrm>
         </p:spPr>
         <p:txBody>
           <a:bodyPr>
-            <a:normAutofit fontScale="92500" lnSpcReduction="10000"/>
+            <a:normAutofit/>
           </a:bodyPr>
           <a:lstStyle/>
           <a:p>
             <a:r>
               <a:rPr lang="en-US" dirty="0"/>
-              <a:t>The </a:t>
-            </a:r>
-            <a:r>
-              <a:rPr lang="en-US" dirty="0" err="1"/>
-              <a:t>hgroup</a:t>
-            </a:r>
-            <a:r>
-              <a:rPr lang="en-US" dirty="0"/>
-              <a:t> element represents the heading of a section. The element is used to group a set of h1–h6 elements when the heading has multiple levels, such as subheadings, alternative titles, or taglines</a:t>
-            </a:r>
-            <a:r>
-              <a:rPr lang="en-US" dirty="0" smtClean="0"/>
-              <a:t>.</a:t>
-            </a:r>
-          </a:p>
-          <a:p>
-            <a:r>
-              <a:rPr lang="en-US" dirty="0"/>
-              <a:t>The point of using </a:t>
-            </a:r>
-            <a:r>
-              <a:rPr lang="en-US" dirty="0" err="1"/>
-              <a:t>hgroup</a:t>
-            </a:r>
-            <a:r>
-              <a:rPr lang="en-US" dirty="0"/>
-              <a:t> in </a:t>
-            </a:r>
-            <a:r>
-              <a:rPr lang="en-US" dirty="0" smtClean="0"/>
-              <a:t>this example </a:t>
-            </a:r>
-            <a:r>
-              <a:rPr lang="en-US" dirty="0"/>
-              <a:t>is to mask the h2 element (which acts as a secondary title) from the outline algorithm.</a:t>
+              <a:t>The figure element represents some flow content, optionally with a caption, that is self-contained and is typically referenced as a single unit from the main flow of the document.</a:t>
             </a:r>
           </a:p>
         </p:txBody>
@@ -7442,8 +7361,8 @@
         </p:nvSpPr>
         <p:spPr>
           <a:xfrm>
-            <a:off x="1143002" y="4800601"/>
-            <a:ext cx="3882281" cy="1200329"/>
+            <a:off x="533400" y="4648202"/>
+            <a:ext cx="8077200" cy="1323439"/>
           </a:xfrm>
           <a:prstGeom prst="rect">
             <a:avLst/>
@@ -7464,52 +7383,68 @@
           </a:fontRef>
         </p:style>
         <p:txBody>
-          <a:bodyPr wrap="none" rtlCol="0">
+          <a:bodyPr wrap="square" rtlCol="0">
             <a:spAutoFit/>
           </a:bodyPr>
           <a:lstStyle/>
           <a:p>
-            <a:pPr defTabSz="273050"/>
-            <a:r>
-              <a:rPr lang="en-US" dirty="0"/>
-              <a:t>&lt;</a:t>
-            </a:r>
-            <a:r>
-              <a:rPr lang="en-US" dirty="0" err="1"/>
-              <a:t>hgroup</a:t>
-            </a:r>
-            <a:r>
-              <a:rPr lang="en-US" dirty="0"/>
+            <a:pPr defTabSz="271463"/>
+            <a:r>
+              <a:rPr lang="en-US" sz="1600" dirty="0"/>
+              <a:t>&lt;figure&gt;</a:t>
+            </a:r>
+          </a:p>
+          <a:p>
+            <a:pPr defTabSz="271463"/>
+            <a:r>
+              <a:rPr lang="en-US" sz="1600" dirty="0"/>
+              <a:t>	&lt;</a:t>
+            </a:r>
+            <a:r>
+              <a:rPr lang="en-US" sz="1600" dirty="0" err="1"/>
+              <a:t>img</a:t>
+            </a:r>
+            <a:r>
+              <a:rPr lang="en-US" sz="1600" dirty="0"/>
+              <a:t> </a:t>
+            </a:r>
+            <a:r>
+              <a:rPr lang="en-US" sz="1600" dirty="0" err="1"/>
+              <a:t>src</a:t>
+            </a:r>
+            <a:r>
+              <a:rPr lang="en-US" sz="1600" dirty="0"/>
+              <a:t>="bubbles-work.jpeg" alt="Bubbles, sitting in his office chair, works on his latest project intently."&gt;</a:t>
+            </a:r>
+          </a:p>
+          <a:p>
+            <a:pPr defTabSz="271463"/>
+            <a:r>
+              <a:rPr lang="en-US" sz="1600" dirty="0"/>
+              <a:t>	&lt;</a:t>
+            </a:r>
+            <a:r>
+              <a:rPr lang="en-US" sz="1600" dirty="0" err="1"/>
+              <a:t>figcaption</a:t>
+            </a:r>
+            <a:r>
+              <a:rPr lang="en-US" sz="1600" dirty="0"/>
+              <a:t>&gt;Bubbles at work&lt;/</a:t>
+            </a:r>
+            <a:r>
+              <a:rPr lang="en-US" sz="1600" dirty="0" err="1"/>
+              <a:t>figcaption</a:t>
+            </a:r>
+            <a:r>
+              <a:rPr lang="en-US" sz="1600" dirty="0"/>
               <a:t>&gt;</a:t>
             </a:r>
           </a:p>
           <a:p>
-            <a:pPr defTabSz="273050"/>
-            <a:r>
-              <a:rPr lang="en-US" dirty="0"/>
-              <a:t>	&lt;h1&gt;The reality dysfunction&lt;/h1&gt;</a:t>
-            </a:r>
-          </a:p>
-          <a:p>
-            <a:pPr defTabSz="273050"/>
-            <a:r>
-              <a:rPr lang="en-US" dirty="0"/>
-              <a:t>	&lt;h2&gt;Space is not the only void&lt;/h2&gt;</a:t>
-            </a:r>
-          </a:p>
-          <a:p>
-            <a:pPr defTabSz="273050"/>
-            <a:r>
-              <a:rPr lang="en-US" dirty="0"/>
-              <a:t>&lt;/</a:t>
-            </a:r>
-            <a:r>
-              <a:rPr lang="en-US" dirty="0" err="1"/>
-              <a:t>hgroup</a:t>
-            </a:r>
-            <a:r>
-              <a:rPr lang="en-US" dirty="0"/>
-              <a:t>&gt;</a:t>
+            <a:pPr defTabSz="271463"/>
+            <a:r>
+              <a:rPr lang="en-US" sz="1600" dirty="0"/>
+              <a:t>&lt;/figure&gt;</a:t>
             </a:r>
           </a:p>
         </p:txBody>
@@ -7517,7 +7452,7 @@
     </p:spTree>
     <p:extLst>
       <p:ext uri="{BB962C8B-B14F-4D97-AF65-F5344CB8AC3E}">
-        <p14:creationId xmlns:p14="http://schemas.microsoft.com/office/powerpoint/2010/main" val="3321454141"/>
+        <p14:creationId xmlns:p14="http://schemas.microsoft.com/office/powerpoint/2010/main" val="187051528"/>
       </p:ext>
     </p:extLst>
   </p:cSld>
@@ -7571,11 +7506,7 @@
           <a:bodyPr/>
           <a:lstStyle/>
           <a:p>
-            <a:r>
-              <a:rPr lang="en-US" dirty="0" smtClean="0"/>
-              <a:t>&lt;figure&gt;</a:t>
-            </a:r>
-            <a:endParaRPr lang="en-US" dirty="0"/>
+            <a:endParaRPr lang="da-DK" dirty="0"/>
           </a:p>
         </p:txBody>
       </p:sp>
@@ -7587,173 +7518,6 @@
           </p:cNvSpPr>
           <p:nvPr>
             <p:ph idx="1"/>
-          </p:nvPr>
-        </p:nvSpPr>
-        <p:spPr>
-          <a:xfrm>
-            <a:off x="457200" y="1600201"/>
-            <a:ext cx="8229600" cy="3200400"/>
-          </a:xfrm>
-        </p:spPr>
-        <p:txBody>
-          <a:bodyPr>
-            <a:normAutofit/>
-          </a:bodyPr>
-          <a:lstStyle/>
-          <a:p>
-            <a:r>
-              <a:rPr lang="en-US" dirty="0"/>
-              <a:t>The figure element represents some flow content, optionally with a caption, that is self-contained and is typically referenced as a single unit from the main flow of the document.</a:t>
-            </a:r>
-          </a:p>
-        </p:txBody>
-      </p:sp>
-      <p:sp>
-        <p:nvSpPr>
-          <p:cNvPr id="4" name="Tekstboks 3"/>
-          <p:cNvSpPr txBox="1"/>
-          <p:nvPr/>
-        </p:nvSpPr>
-        <p:spPr>
-          <a:xfrm>
-            <a:off x="533400" y="4648202"/>
-            <a:ext cx="8077200" cy="1323439"/>
-          </a:xfrm>
-          <a:prstGeom prst="rect">
-            <a:avLst/>
-          </a:prstGeom>
-        </p:spPr>
-        <p:style>
-          <a:lnRef idx="3">
-            <a:schemeClr val="lt1"/>
-          </a:lnRef>
-          <a:fillRef idx="1">
-            <a:schemeClr val="accent1"/>
-          </a:fillRef>
-          <a:effectRef idx="1">
-            <a:schemeClr val="accent1"/>
-          </a:effectRef>
-          <a:fontRef idx="minor">
-            <a:schemeClr val="lt1"/>
-          </a:fontRef>
-        </p:style>
-        <p:txBody>
-          <a:bodyPr wrap="square" rtlCol="0">
-            <a:spAutoFit/>
-          </a:bodyPr>
-          <a:lstStyle/>
-          <a:p>
-            <a:pPr defTabSz="271463"/>
-            <a:r>
-              <a:rPr lang="en-US" sz="1600" dirty="0"/>
-              <a:t>&lt;figure&gt;</a:t>
-            </a:r>
-          </a:p>
-          <a:p>
-            <a:pPr defTabSz="271463"/>
-            <a:r>
-              <a:rPr lang="en-US" sz="1600" dirty="0"/>
-              <a:t>	&lt;</a:t>
-            </a:r>
-            <a:r>
-              <a:rPr lang="en-US" sz="1600" dirty="0" err="1"/>
-              <a:t>img</a:t>
-            </a:r>
-            <a:r>
-              <a:rPr lang="en-US" sz="1600" dirty="0"/>
-              <a:t> </a:t>
-            </a:r>
-            <a:r>
-              <a:rPr lang="en-US" sz="1600" dirty="0" err="1"/>
-              <a:t>src</a:t>
-            </a:r>
-            <a:r>
-              <a:rPr lang="en-US" sz="1600" dirty="0"/>
-              <a:t>="bubbles-work.jpeg" alt="Bubbles, sitting in his office chair, works on his latest project intently."&gt;</a:t>
-            </a:r>
-          </a:p>
-          <a:p>
-            <a:pPr defTabSz="271463"/>
-            <a:r>
-              <a:rPr lang="en-US" sz="1600" dirty="0"/>
-              <a:t>	&lt;</a:t>
-            </a:r>
-            <a:r>
-              <a:rPr lang="en-US" sz="1600" dirty="0" err="1"/>
-              <a:t>figcaption</a:t>
-            </a:r>
-            <a:r>
-              <a:rPr lang="en-US" sz="1600" dirty="0"/>
-              <a:t>&gt;Bubbles at work&lt;/</a:t>
-            </a:r>
-            <a:r>
-              <a:rPr lang="en-US" sz="1600" dirty="0" err="1"/>
-              <a:t>figcaption</a:t>
-            </a:r>
-            <a:r>
-              <a:rPr lang="en-US" sz="1600" dirty="0"/>
-              <a:t>&gt;</a:t>
-            </a:r>
-          </a:p>
-          <a:p>
-            <a:pPr defTabSz="271463"/>
-            <a:r>
-              <a:rPr lang="en-US" sz="1600" dirty="0"/>
-              <a:t>&lt;/figure&gt;</a:t>
-            </a:r>
-          </a:p>
-        </p:txBody>
-      </p:sp>
-    </p:spTree>
-    <p:extLst>
-      <p:ext uri="{BB962C8B-B14F-4D97-AF65-F5344CB8AC3E}">
-        <p14:creationId xmlns:p14="http://schemas.microsoft.com/office/powerpoint/2010/main" val="187051528"/>
-      </p:ext>
-    </p:extLst>
-  </p:cSld>
-  <p:clrMapOvr>
-    <a:masterClrMapping/>
-  </p:clrMapOvr>
-  <mc:AlternateContent xmlns:mc="http://schemas.openxmlformats.org/markup-compatibility/2006" xmlns:p14="http://schemas.microsoft.com/office/powerpoint/2010/main">
-    <mc:Choice Requires="p14">
-      <p:transition p14:dur="250">
-        <p:fade/>
-      </p:transition>
-    </mc:Choice>
-    <mc:Fallback xmlns="">
-      <p:transition>
-        <p:fade/>
-      </p:transition>
-    </mc:Fallback>
-  </mc:AlternateContent>
-</p:sld>
-</file>
-
-<file path=ppt/slides/slide18.xml><?xml version="1.0" encoding="utf-8"?>
-<p:sld xmlns:a="http://schemas.openxmlformats.org/drawingml/2006/main" xmlns:r="http://schemas.openxmlformats.org/officeDocument/2006/relationships" xmlns:p="http://schemas.openxmlformats.org/presentationml/2006/main">
-  <p:cSld>
-    <p:spTree>
-      <p:nvGrpSpPr>
-        <p:cNvPr id="1" name=""/>
-        <p:cNvGrpSpPr/>
-        <p:nvPr/>
-      </p:nvGrpSpPr>
-      <p:grpSpPr>
-        <a:xfrm>
-          <a:off x="0" y="0"/>
-          <a:ext cx="0" cy="0"/>
-          <a:chOff x="0" y="0"/>
-          <a:chExt cx="0" cy="0"/>
-        </a:xfrm>
-      </p:grpSpPr>
-      <p:sp>
-        <p:nvSpPr>
-          <p:cNvPr id="2" name="Titel 1"/>
-          <p:cNvSpPr>
-            <a:spLocks noGrp="1"/>
-          </p:cNvSpPr>
-          <p:nvPr>
-            <p:ph type="title"/>
           </p:nvPr>
         </p:nvSpPr>
         <p:spPr/>
@@ -7761,18 +7525,18 @@
           <a:bodyPr/>
           <a:lstStyle/>
           <a:p>
-            <a:endParaRPr lang="da-DK" dirty="0"/>
-          </a:p>
-        </p:txBody>
-      </p:sp>
-      <p:sp>
-        <p:nvSpPr>
-          <p:cNvPr id="3" name="Pladsholder til indhold 2"/>
-          <p:cNvSpPr>
-            <a:spLocks noGrp="1"/>
-          </p:cNvSpPr>
-          <p:nvPr>
-            <p:ph idx="1"/>
+            <a:endParaRPr lang="da-DK"/>
+          </a:p>
+        </p:txBody>
+      </p:sp>
+      <p:sp>
+        <p:nvSpPr>
+          <p:cNvPr id="4" name="Pladsholder til sidefod 3"/>
+          <p:cNvSpPr>
+            <a:spLocks noGrp="1"/>
+          </p:cNvSpPr>
+          <p:nvPr>
+            <p:ph type="ftr" sz="quarter" idx="11"/>
           </p:nvPr>
         </p:nvSpPr>
         <p:spPr/>
@@ -7786,12 +7550,12 @@
       </p:sp>
       <p:sp>
         <p:nvSpPr>
-          <p:cNvPr id="4" name="Pladsholder til sidefod 3"/>
-          <p:cNvSpPr>
-            <a:spLocks noGrp="1"/>
-          </p:cNvSpPr>
-          <p:nvPr>
-            <p:ph type="ftr" sz="quarter" idx="11"/>
+          <p:cNvPr id="5" name="Pladsholder til diasnummer 4"/>
+          <p:cNvSpPr>
+            <a:spLocks noGrp="1"/>
+          </p:cNvSpPr>
+          <p:nvPr>
+            <p:ph type="sldNum" sz="quarter" idx="12"/>
           </p:nvPr>
         </p:nvSpPr>
         <p:spPr/>
@@ -7799,28 +7563,9 @@
           <a:bodyPr/>
           <a:lstStyle/>
           <a:p>
-            <a:endParaRPr lang="da-DK"/>
-          </a:p>
-        </p:txBody>
-      </p:sp>
-      <p:sp>
-        <p:nvSpPr>
-          <p:cNvPr id="5" name="Pladsholder til diasnummer 4"/>
-          <p:cNvSpPr>
-            <a:spLocks noGrp="1"/>
-          </p:cNvSpPr>
-          <p:nvPr>
-            <p:ph type="sldNum" sz="quarter" idx="12"/>
-          </p:nvPr>
-        </p:nvSpPr>
-        <p:spPr/>
-        <p:txBody>
-          <a:bodyPr/>
-          <a:lstStyle/>
-          <a:p>
             <a:fld id="{F7AB382F-E9E6-CE49-B414-1E064FB7F064}" type="slidenum">
               <a:rPr lang="da-DK" smtClean="0"/>
-              <a:t>18</a:t>
+              <a:t>17</a:t>
             </a:fld>
             <a:endParaRPr lang="da-DK"/>
           </a:p>
@@ -7892,7 +7637,7 @@
 </p:sld>
 </file>
 
-<file path=ppt/slides/slide19.xml><?xml version="1.0" encoding="utf-8"?>
+<file path=ppt/slides/slide18.xml><?xml version="1.0" encoding="utf-8"?>
 <p:sld xmlns:a="http://schemas.openxmlformats.org/drawingml/2006/main" xmlns:r="http://schemas.openxmlformats.org/officeDocument/2006/relationships" xmlns:p="http://schemas.openxmlformats.org/presentationml/2006/main">
   <p:cSld>
     <p:spTree>
@@ -8060,141 +7805,7 @@
 </p:sld>
 </file>
 
-<file path=ppt/slides/slide2.xml><?xml version="1.0" encoding="utf-8"?>
-<p:sld xmlns:a="http://schemas.openxmlformats.org/drawingml/2006/main" xmlns:r="http://schemas.openxmlformats.org/officeDocument/2006/relationships" xmlns:p="http://schemas.openxmlformats.org/presentationml/2006/main">
-  <p:cSld>
-    <p:spTree>
-      <p:nvGrpSpPr>
-        <p:cNvPr id="1" name=""/>
-        <p:cNvGrpSpPr/>
-        <p:nvPr/>
-      </p:nvGrpSpPr>
-      <p:grpSpPr>
-        <a:xfrm>
-          <a:off x="0" y="0"/>
-          <a:ext cx="0" cy="0"/>
-          <a:chOff x="0" y="0"/>
-          <a:chExt cx="0" cy="0"/>
-        </a:xfrm>
-      </p:grpSpPr>
-      <p:sp>
-        <p:nvSpPr>
-          <p:cNvPr id="2" name="Titel 1"/>
-          <p:cNvSpPr>
-            <a:spLocks noGrp="1"/>
-          </p:cNvSpPr>
-          <p:nvPr>
-            <p:ph type="title"/>
-          </p:nvPr>
-        </p:nvSpPr>
-        <p:spPr/>
-        <p:txBody>
-          <a:bodyPr/>
-          <a:lstStyle/>
-          <a:p>
-            <a:r>
-              <a:rPr lang="en-US" dirty="0" smtClean="0"/>
-              <a:t>Why do we need HTML5?</a:t>
-            </a:r>
-            <a:endParaRPr lang="en-US" dirty="0"/>
-          </a:p>
-        </p:txBody>
-      </p:sp>
-      <p:sp>
-        <p:nvSpPr>
-          <p:cNvPr id="3" name="Pladsholder til indhold 2"/>
-          <p:cNvSpPr>
-            <a:spLocks noGrp="1"/>
-          </p:cNvSpPr>
-          <p:nvPr>
-            <p:ph idx="1"/>
-          </p:nvPr>
-        </p:nvSpPr>
-        <p:spPr/>
-        <p:txBody>
-          <a:bodyPr/>
-          <a:lstStyle/>
-          <a:p>
-            <a:r>
-              <a:rPr lang="en-US" dirty="0"/>
-              <a:t>R</a:t>
-            </a:r>
-            <a:r>
-              <a:rPr lang="en-US" dirty="0" smtClean="0"/>
-              <a:t>ich </a:t>
-            </a:r>
-            <a:r>
-              <a:rPr lang="en-US" dirty="0"/>
-              <a:t>Web-based </a:t>
-            </a:r>
-            <a:r>
-              <a:rPr lang="en-US" dirty="0" smtClean="0"/>
-              <a:t>applications.</a:t>
-            </a:r>
-          </a:p>
-          <a:p>
-            <a:r>
-              <a:rPr lang="en-US" dirty="0" smtClean="0"/>
-              <a:t>Generate better </a:t>
-            </a:r>
-            <a:r>
-              <a:rPr lang="en-US" dirty="0"/>
-              <a:t>search </a:t>
-            </a:r>
-            <a:r>
-              <a:rPr lang="en-US" dirty="0" smtClean="0"/>
-              <a:t>results.</a:t>
-            </a:r>
-          </a:p>
-          <a:p>
-            <a:r>
-              <a:rPr lang="en-US" dirty="0" smtClean="0"/>
-              <a:t>Better accessibility for people </a:t>
-            </a:r>
-            <a:r>
-              <a:rPr lang="en-US" dirty="0"/>
-              <a:t>of all </a:t>
-            </a:r>
-            <a:r>
-              <a:rPr lang="en-US" dirty="0" smtClean="0"/>
-              <a:t>abilities.</a:t>
-            </a:r>
-          </a:p>
-          <a:p>
-            <a:r>
-              <a:rPr lang="en-US" dirty="0" smtClean="0"/>
-              <a:t>Using different types of devices.</a:t>
-            </a:r>
-            <a:endParaRPr lang="en-US" dirty="0"/>
-          </a:p>
-        </p:txBody>
-      </p:sp>
-    </p:spTree>
-    <p:extLst>
-      <p:ext uri="{BB962C8B-B14F-4D97-AF65-F5344CB8AC3E}">
-        <p14:creationId xmlns:p14="http://schemas.microsoft.com/office/powerpoint/2010/main" val="536677557"/>
-      </p:ext>
-    </p:extLst>
-  </p:cSld>
-  <p:clrMapOvr>
-    <a:masterClrMapping/>
-  </p:clrMapOvr>
-  <mc:AlternateContent xmlns:mc="http://schemas.openxmlformats.org/markup-compatibility/2006" xmlns:p14="http://schemas.microsoft.com/office/powerpoint/2010/main">
-    <mc:Choice Requires="p14">
-      <p:transition p14:dur="250">
-        <p:fade/>
-      </p:transition>
-    </mc:Choice>
-    <mc:Fallback xmlns="">
-      <p:transition>
-        <p:fade/>
-      </p:transition>
-    </mc:Fallback>
-  </mc:AlternateContent>
-</p:sld>
-</file>
-
-<file path=ppt/slides/slide20.xml><?xml version="1.0" encoding="utf-8"?>
+<file path=ppt/slides/slide19.xml><?xml version="1.0" encoding="utf-8"?>
 <p:sld xmlns:a="http://schemas.openxmlformats.org/drawingml/2006/main" xmlns:r="http://schemas.openxmlformats.org/officeDocument/2006/relationships" xmlns:p="http://schemas.openxmlformats.org/presentationml/2006/main">
   <p:cSld>
     <p:spTree>
@@ -9292,7 +8903,141 @@
 </p:sld>
 </file>
 
-<file path=ppt/slides/slide21.xml><?xml version="1.0" encoding="utf-8"?>
+<file path=ppt/slides/slide2.xml><?xml version="1.0" encoding="utf-8"?>
+<p:sld xmlns:a="http://schemas.openxmlformats.org/drawingml/2006/main" xmlns:r="http://schemas.openxmlformats.org/officeDocument/2006/relationships" xmlns:p="http://schemas.openxmlformats.org/presentationml/2006/main">
+  <p:cSld>
+    <p:spTree>
+      <p:nvGrpSpPr>
+        <p:cNvPr id="1" name=""/>
+        <p:cNvGrpSpPr/>
+        <p:nvPr/>
+      </p:nvGrpSpPr>
+      <p:grpSpPr>
+        <a:xfrm>
+          <a:off x="0" y="0"/>
+          <a:ext cx="0" cy="0"/>
+          <a:chOff x="0" y="0"/>
+          <a:chExt cx="0" cy="0"/>
+        </a:xfrm>
+      </p:grpSpPr>
+      <p:sp>
+        <p:nvSpPr>
+          <p:cNvPr id="2" name="Titel 1"/>
+          <p:cNvSpPr>
+            <a:spLocks noGrp="1"/>
+          </p:cNvSpPr>
+          <p:nvPr>
+            <p:ph type="title"/>
+          </p:nvPr>
+        </p:nvSpPr>
+        <p:spPr/>
+        <p:txBody>
+          <a:bodyPr/>
+          <a:lstStyle/>
+          <a:p>
+            <a:r>
+              <a:rPr lang="en-US" dirty="0" smtClean="0"/>
+              <a:t>Why do we need HTML5?</a:t>
+            </a:r>
+            <a:endParaRPr lang="en-US" dirty="0"/>
+          </a:p>
+        </p:txBody>
+      </p:sp>
+      <p:sp>
+        <p:nvSpPr>
+          <p:cNvPr id="3" name="Pladsholder til indhold 2"/>
+          <p:cNvSpPr>
+            <a:spLocks noGrp="1"/>
+          </p:cNvSpPr>
+          <p:nvPr>
+            <p:ph idx="1"/>
+          </p:nvPr>
+        </p:nvSpPr>
+        <p:spPr/>
+        <p:txBody>
+          <a:bodyPr/>
+          <a:lstStyle/>
+          <a:p>
+            <a:r>
+              <a:rPr lang="en-US" dirty="0"/>
+              <a:t>R</a:t>
+            </a:r>
+            <a:r>
+              <a:rPr lang="en-US" dirty="0" smtClean="0"/>
+              <a:t>ich </a:t>
+            </a:r>
+            <a:r>
+              <a:rPr lang="en-US" dirty="0"/>
+              <a:t>Web-based </a:t>
+            </a:r>
+            <a:r>
+              <a:rPr lang="en-US" dirty="0" smtClean="0"/>
+              <a:t>applications.</a:t>
+            </a:r>
+          </a:p>
+          <a:p>
+            <a:r>
+              <a:rPr lang="en-US" dirty="0" smtClean="0"/>
+              <a:t>Generate better </a:t>
+            </a:r>
+            <a:r>
+              <a:rPr lang="en-US" dirty="0"/>
+              <a:t>search </a:t>
+            </a:r>
+            <a:r>
+              <a:rPr lang="en-US" dirty="0" smtClean="0"/>
+              <a:t>results.</a:t>
+            </a:r>
+          </a:p>
+          <a:p>
+            <a:r>
+              <a:rPr lang="en-US" dirty="0" smtClean="0"/>
+              <a:t>Better accessibility for people </a:t>
+            </a:r>
+            <a:r>
+              <a:rPr lang="en-US" dirty="0"/>
+              <a:t>of all </a:t>
+            </a:r>
+            <a:r>
+              <a:rPr lang="en-US" dirty="0" smtClean="0"/>
+              <a:t>abilities.</a:t>
+            </a:r>
+          </a:p>
+          <a:p>
+            <a:r>
+              <a:rPr lang="en-US" dirty="0" smtClean="0"/>
+              <a:t>Using different types of devices.</a:t>
+            </a:r>
+            <a:endParaRPr lang="en-US" dirty="0"/>
+          </a:p>
+        </p:txBody>
+      </p:sp>
+    </p:spTree>
+    <p:extLst>
+      <p:ext uri="{BB962C8B-B14F-4D97-AF65-F5344CB8AC3E}">
+        <p14:creationId xmlns:p14="http://schemas.microsoft.com/office/powerpoint/2010/main" val="536677557"/>
+      </p:ext>
+    </p:extLst>
+  </p:cSld>
+  <p:clrMapOvr>
+    <a:masterClrMapping/>
+  </p:clrMapOvr>
+  <mc:AlternateContent xmlns:mc="http://schemas.openxmlformats.org/markup-compatibility/2006" xmlns:p14="http://schemas.microsoft.com/office/powerpoint/2010/main">
+    <mc:Choice Requires="p14">
+      <p:transition p14:dur="250">
+        <p:fade/>
+      </p:transition>
+    </mc:Choice>
+    <mc:Fallback xmlns="">
+      <p:transition>
+        <p:fade/>
+      </p:transition>
+    </mc:Fallback>
+  </mc:AlternateContent>
+</p:sld>
+</file>
+
+<file path=ppt/slides/slide20.xml><?xml version="1.0" encoding="utf-8"?>
 <p:sld xmlns:a="http://schemas.openxmlformats.org/drawingml/2006/main" xmlns:r="http://schemas.openxmlformats.org/officeDocument/2006/relationships" xmlns:p="http://schemas.openxmlformats.org/presentationml/2006/main">
   <p:cSld>
     <p:spTree>
@@ -9594,6 +9339,225 @@
     <p:extLst>
       <p:ext uri="{BB962C8B-B14F-4D97-AF65-F5344CB8AC3E}">
         <p14:creationId xmlns:p14="http://schemas.microsoft.com/office/powerpoint/2010/main" val="974237377"/>
+      </p:ext>
+    </p:extLst>
+  </p:cSld>
+  <p:clrMapOvr>
+    <a:masterClrMapping/>
+  </p:clrMapOvr>
+  <mc:AlternateContent xmlns:mc="http://schemas.openxmlformats.org/markup-compatibility/2006" xmlns:p14="http://schemas.microsoft.com/office/powerpoint/2010/main">
+    <mc:Choice Requires="p14">
+      <p:transition p14:dur="250">
+        <p:fade/>
+      </p:transition>
+    </mc:Choice>
+    <mc:Fallback xmlns="">
+      <p:transition>
+        <p:fade/>
+      </p:transition>
+    </mc:Fallback>
+  </mc:AlternateContent>
+</p:sld>
+</file>
+
+<file path=ppt/slides/slide21.xml><?xml version="1.0" encoding="utf-8"?>
+<p:sld xmlns:a="http://schemas.openxmlformats.org/drawingml/2006/main" xmlns:r="http://schemas.openxmlformats.org/officeDocument/2006/relationships" xmlns:p="http://schemas.openxmlformats.org/presentationml/2006/main">
+  <p:cSld>
+    <p:spTree>
+      <p:nvGrpSpPr>
+        <p:cNvPr id="1" name=""/>
+        <p:cNvGrpSpPr/>
+        <p:nvPr/>
+      </p:nvGrpSpPr>
+      <p:grpSpPr>
+        <a:xfrm>
+          <a:off x="0" y="0"/>
+          <a:ext cx="0" cy="0"/>
+          <a:chOff x="0" y="0"/>
+          <a:chExt cx="0" cy="0"/>
+        </a:xfrm>
+      </p:grpSpPr>
+      <p:sp>
+        <p:nvSpPr>
+          <p:cNvPr id="2" name="Titel 1"/>
+          <p:cNvSpPr>
+            <a:spLocks noGrp="1"/>
+          </p:cNvSpPr>
+          <p:nvPr>
+            <p:ph type="title"/>
+          </p:nvPr>
+        </p:nvSpPr>
+        <p:spPr/>
+        <p:txBody>
+          <a:bodyPr/>
+          <a:lstStyle/>
+          <a:p>
+            <a:r>
+              <a:rPr lang="da-DK" dirty="0" smtClean="0"/>
+              <a:t>Form – Datalist element</a:t>
+            </a:r>
+            <a:endParaRPr lang="en-US" dirty="0"/>
+          </a:p>
+        </p:txBody>
+      </p:sp>
+      <p:sp>
+        <p:nvSpPr>
+          <p:cNvPr id="3" name="Pladsholder til indhold 2"/>
+          <p:cNvSpPr>
+            <a:spLocks noGrp="1"/>
+          </p:cNvSpPr>
+          <p:nvPr>
+            <p:ph idx="1"/>
+          </p:nvPr>
+        </p:nvSpPr>
+        <p:spPr/>
+        <p:txBody>
+          <a:bodyPr>
+            <a:normAutofit/>
+          </a:bodyPr>
+          <a:lstStyle/>
+          <a:p>
+            <a:r>
+              <a:rPr lang="en-US" dirty="0"/>
+              <a:t>The </a:t>
+            </a:r>
+            <a:r>
+              <a:rPr lang="en-US" dirty="0" err="1"/>
+              <a:t>datalist</a:t>
+            </a:r>
+            <a:r>
+              <a:rPr lang="en-US" dirty="0"/>
+              <a:t> element represents a set of option elements that represent predefined options for other </a:t>
+            </a:r>
+            <a:r>
+              <a:rPr lang="en-US" dirty="0" smtClean="0"/>
+              <a:t>controls.</a:t>
+            </a:r>
+          </a:p>
+        </p:txBody>
+      </p:sp>
+      <p:sp>
+        <p:nvSpPr>
+          <p:cNvPr id="4" name="Tekstboks 3"/>
+          <p:cNvSpPr txBox="1"/>
+          <p:nvPr/>
+        </p:nvSpPr>
+        <p:spPr>
+          <a:xfrm>
+            <a:off x="1180646" y="4291186"/>
+            <a:ext cx="6744154" cy="1754326"/>
+          </a:xfrm>
+          <a:prstGeom prst="rect">
+            <a:avLst/>
+          </a:prstGeom>
+        </p:spPr>
+        <p:style>
+          <a:lnRef idx="3">
+            <a:schemeClr val="lt1"/>
+          </a:lnRef>
+          <a:fillRef idx="1">
+            <a:schemeClr val="accent1"/>
+          </a:fillRef>
+          <a:effectRef idx="1">
+            <a:schemeClr val="accent1"/>
+          </a:effectRef>
+          <a:fontRef idx="minor">
+            <a:schemeClr val="lt1"/>
+          </a:fontRef>
+        </p:style>
+        <p:txBody>
+          <a:bodyPr wrap="none" rtlCol="0">
+            <a:spAutoFit/>
+          </a:bodyPr>
+          <a:lstStyle/>
+          <a:p>
+            <a:pPr defTabSz="265113"/>
+            <a:r>
+              <a:rPr lang="en-US" dirty="0"/>
+              <a:t>&lt;input type="</a:t>
+            </a:r>
+            <a:r>
+              <a:rPr lang="en-US" dirty="0" err="1"/>
+              <a:t>url</a:t>
+            </a:r>
+            <a:r>
+              <a:rPr lang="en-US" dirty="0"/>
+              <a:t>" list="</a:t>
+            </a:r>
+            <a:r>
+              <a:rPr lang="en-US" dirty="0" err="1"/>
+              <a:t>url_list</a:t>
+            </a:r>
+            <a:r>
+              <a:rPr lang="en-US" dirty="0"/>
+              <a:t>" name="link" /&gt;</a:t>
+            </a:r>
+          </a:p>
+          <a:p>
+            <a:pPr defTabSz="265113"/>
+            <a:r>
+              <a:rPr lang="en-US" dirty="0"/>
+              <a:t>&lt;</a:t>
+            </a:r>
+            <a:r>
+              <a:rPr lang="en-US" dirty="0" err="1"/>
+              <a:t>datalist</a:t>
+            </a:r>
+            <a:r>
+              <a:rPr lang="en-US" dirty="0"/>
+              <a:t> id="</a:t>
+            </a:r>
+            <a:r>
+              <a:rPr lang="en-US" dirty="0" err="1"/>
+              <a:t>url_list</a:t>
+            </a:r>
+            <a:r>
+              <a:rPr lang="en-US" dirty="0"/>
+              <a:t>"&gt;</a:t>
+            </a:r>
+          </a:p>
+          <a:p>
+            <a:pPr defTabSz="265113"/>
+            <a:r>
+              <a:rPr lang="en-US" dirty="0"/>
+              <a:t>	&lt;option label="W3Schools" value="http://www.w3schools.com" /&gt;</a:t>
+            </a:r>
+          </a:p>
+          <a:p>
+            <a:pPr defTabSz="265113"/>
+            <a:r>
+              <a:rPr lang="en-US" dirty="0"/>
+              <a:t>	&lt;option label="Google" value="http://www.google.com" /&gt;</a:t>
+            </a:r>
+          </a:p>
+          <a:p>
+            <a:pPr defTabSz="265113"/>
+            <a:r>
+              <a:rPr lang="en-US" dirty="0"/>
+              <a:t>	&lt;option label="Microsoft" value="http://www.microsoft.com" /&gt;</a:t>
+            </a:r>
+          </a:p>
+          <a:p>
+            <a:pPr defTabSz="265113"/>
+            <a:r>
+              <a:rPr lang="en-US" dirty="0"/>
+              <a:t>&lt;/</a:t>
+            </a:r>
+            <a:r>
+              <a:rPr lang="en-US" dirty="0" err="1"/>
+              <a:t>datalist</a:t>
+            </a:r>
+            <a:r>
+              <a:rPr lang="en-US" dirty="0"/>
+              <a:t>&gt;</a:t>
+            </a:r>
+          </a:p>
+        </p:txBody>
+      </p:sp>
+    </p:spTree>
+    <p:extLst>
+      <p:ext uri="{BB962C8B-B14F-4D97-AF65-F5344CB8AC3E}">
+        <p14:creationId xmlns:p14="http://schemas.microsoft.com/office/powerpoint/2010/main" val="794018760"/>
       </p:ext>
     </p:extLst>
   </p:cSld>
@@ -9648,225 +9612,6 @@
           <a:lstStyle/>
           <a:p>
             <a:r>
-              <a:rPr lang="da-DK" dirty="0" smtClean="0"/>
-              <a:t>Form – Datalist element</a:t>
-            </a:r>
-            <a:endParaRPr lang="en-US" dirty="0"/>
-          </a:p>
-        </p:txBody>
-      </p:sp>
-      <p:sp>
-        <p:nvSpPr>
-          <p:cNvPr id="3" name="Pladsholder til indhold 2"/>
-          <p:cNvSpPr>
-            <a:spLocks noGrp="1"/>
-          </p:cNvSpPr>
-          <p:nvPr>
-            <p:ph idx="1"/>
-          </p:nvPr>
-        </p:nvSpPr>
-        <p:spPr/>
-        <p:txBody>
-          <a:bodyPr>
-            <a:normAutofit/>
-          </a:bodyPr>
-          <a:lstStyle/>
-          <a:p>
-            <a:r>
-              <a:rPr lang="en-US" dirty="0"/>
-              <a:t>The </a:t>
-            </a:r>
-            <a:r>
-              <a:rPr lang="en-US" dirty="0" err="1"/>
-              <a:t>datalist</a:t>
-            </a:r>
-            <a:r>
-              <a:rPr lang="en-US" dirty="0"/>
-              <a:t> element represents a set of option elements that represent predefined options for other </a:t>
-            </a:r>
-            <a:r>
-              <a:rPr lang="en-US" dirty="0" smtClean="0"/>
-              <a:t>controls.</a:t>
-            </a:r>
-          </a:p>
-        </p:txBody>
-      </p:sp>
-      <p:sp>
-        <p:nvSpPr>
-          <p:cNvPr id="4" name="Tekstboks 3"/>
-          <p:cNvSpPr txBox="1"/>
-          <p:nvPr/>
-        </p:nvSpPr>
-        <p:spPr>
-          <a:xfrm>
-            <a:off x="1180646" y="4291186"/>
-            <a:ext cx="6744154" cy="1754326"/>
-          </a:xfrm>
-          <a:prstGeom prst="rect">
-            <a:avLst/>
-          </a:prstGeom>
-        </p:spPr>
-        <p:style>
-          <a:lnRef idx="3">
-            <a:schemeClr val="lt1"/>
-          </a:lnRef>
-          <a:fillRef idx="1">
-            <a:schemeClr val="accent1"/>
-          </a:fillRef>
-          <a:effectRef idx="1">
-            <a:schemeClr val="accent1"/>
-          </a:effectRef>
-          <a:fontRef idx="minor">
-            <a:schemeClr val="lt1"/>
-          </a:fontRef>
-        </p:style>
-        <p:txBody>
-          <a:bodyPr wrap="none" rtlCol="0">
-            <a:spAutoFit/>
-          </a:bodyPr>
-          <a:lstStyle/>
-          <a:p>
-            <a:pPr defTabSz="265113"/>
-            <a:r>
-              <a:rPr lang="en-US" dirty="0"/>
-              <a:t>&lt;input type="</a:t>
-            </a:r>
-            <a:r>
-              <a:rPr lang="en-US" dirty="0" err="1"/>
-              <a:t>url</a:t>
-            </a:r>
-            <a:r>
-              <a:rPr lang="en-US" dirty="0"/>
-              <a:t>" list="</a:t>
-            </a:r>
-            <a:r>
-              <a:rPr lang="en-US" dirty="0" err="1"/>
-              <a:t>url_list</a:t>
-            </a:r>
-            <a:r>
-              <a:rPr lang="en-US" dirty="0"/>
-              <a:t>" name="link" /&gt;</a:t>
-            </a:r>
-          </a:p>
-          <a:p>
-            <a:pPr defTabSz="265113"/>
-            <a:r>
-              <a:rPr lang="en-US" dirty="0"/>
-              <a:t>&lt;</a:t>
-            </a:r>
-            <a:r>
-              <a:rPr lang="en-US" dirty="0" err="1"/>
-              <a:t>datalist</a:t>
-            </a:r>
-            <a:r>
-              <a:rPr lang="en-US" dirty="0"/>
-              <a:t> id="</a:t>
-            </a:r>
-            <a:r>
-              <a:rPr lang="en-US" dirty="0" err="1"/>
-              <a:t>url_list</a:t>
-            </a:r>
-            <a:r>
-              <a:rPr lang="en-US" dirty="0"/>
-              <a:t>"&gt;</a:t>
-            </a:r>
-          </a:p>
-          <a:p>
-            <a:pPr defTabSz="265113"/>
-            <a:r>
-              <a:rPr lang="en-US" dirty="0"/>
-              <a:t>	&lt;option label="W3Schools" value="http://www.w3schools.com" /&gt;</a:t>
-            </a:r>
-          </a:p>
-          <a:p>
-            <a:pPr defTabSz="265113"/>
-            <a:r>
-              <a:rPr lang="en-US" dirty="0"/>
-              <a:t>	&lt;option label="Google" value="http://www.google.com" /&gt;</a:t>
-            </a:r>
-          </a:p>
-          <a:p>
-            <a:pPr defTabSz="265113"/>
-            <a:r>
-              <a:rPr lang="en-US" dirty="0"/>
-              <a:t>	&lt;option label="Microsoft" value="http://www.microsoft.com" /&gt;</a:t>
-            </a:r>
-          </a:p>
-          <a:p>
-            <a:pPr defTabSz="265113"/>
-            <a:r>
-              <a:rPr lang="en-US" dirty="0"/>
-              <a:t>&lt;/</a:t>
-            </a:r>
-            <a:r>
-              <a:rPr lang="en-US" dirty="0" err="1"/>
-              <a:t>datalist</a:t>
-            </a:r>
-            <a:r>
-              <a:rPr lang="en-US" dirty="0"/>
-              <a:t>&gt;</a:t>
-            </a:r>
-          </a:p>
-        </p:txBody>
-      </p:sp>
-    </p:spTree>
-    <p:extLst>
-      <p:ext uri="{BB962C8B-B14F-4D97-AF65-F5344CB8AC3E}">
-        <p14:creationId xmlns:p14="http://schemas.microsoft.com/office/powerpoint/2010/main" val="794018760"/>
-      </p:ext>
-    </p:extLst>
-  </p:cSld>
-  <p:clrMapOvr>
-    <a:masterClrMapping/>
-  </p:clrMapOvr>
-  <mc:AlternateContent xmlns:mc="http://schemas.openxmlformats.org/markup-compatibility/2006" xmlns:p14="http://schemas.microsoft.com/office/powerpoint/2010/main">
-    <mc:Choice Requires="p14">
-      <p:transition p14:dur="250">
-        <p:fade/>
-      </p:transition>
-    </mc:Choice>
-    <mc:Fallback xmlns="">
-      <p:transition>
-        <p:fade/>
-      </p:transition>
-    </mc:Fallback>
-  </mc:AlternateContent>
-</p:sld>
-</file>
-
-<file path=ppt/slides/slide23.xml><?xml version="1.0" encoding="utf-8"?>
-<p:sld xmlns:a="http://schemas.openxmlformats.org/drawingml/2006/main" xmlns:r="http://schemas.openxmlformats.org/officeDocument/2006/relationships" xmlns:p="http://schemas.openxmlformats.org/presentationml/2006/main">
-  <p:cSld>
-    <p:spTree>
-      <p:nvGrpSpPr>
-        <p:cNvPr id="1" name=""/>
-        <p:cNvGrpSpPr/>
-        <p:nvPr/>
-      </p:nvGrpSpPr>
-      <p:grpSpPr>
-        <a:xfrm>
-          <a:off x="0" y="0"/>
-          <a:ext cx="0" cy="0"/>
-          <a:chOff x="0" y="0"/>
-          <a:chExt cx="0" cy="0"/>
-        </a:xfrm>
-      </p:grpSpPr>
-      <p:sp>
-        <p:nvSpPr>
-          <p:cNvPr id="2" name="Titel 1"/>
-          <p:cNvSpPr>
-            <a:spLocks noGrp="1"/>
-          </p:cNvSpPr>
-          <p:nvPr>
-            <p:ph type="title"/>
-          </p:nvPr>
-        </p:nvSpPr>
-        <p:spPr/>
-        <p:txBody>
-          <a:bodyPr/>
-          <a:lstStyle/>
-          <a:p>
-            <a:r>
               <a:rPr lang="en-US" dirty="0" smtClean="0"/>
               <a:t>Forms – </a:t>
             </a:r>
@@ -10061,7 +9806,7 @@
 </p:sld>
 </file>
 
-<file path=ppt/slides/slide24.xml><?xml version="1.0" encoding="utf-8"?>
+<file path=ppt/slides/slide23.xml><?xml version="1.0" encoding="utf-8"?>
 <p:sld xmlns:a="http://schemas.openxmlformats.org/drawingml/2006/main" xmlns:r="http://schemas.openxmlformats.org/officeDocument/2006/relationships" xmlns:p="http://schemas.openxmlformats.org/presentationml/2006/main">
   <p:cSld>
     <p:spTree>
@@ -10547,7 +10292,7 @@
 </p:sld>
 </file>
 
-<file path=ppt/slides/slide25.xml><?xml version="1.0" encoding="utf-8"?>
+<file path=ppt/slides/slide24.xml><?xml version="1.0" encoding="utf-8"?>
 <p:sld xmlns:a="http://schemas.openxmlformats.org/drawingml/2006/main" xmlns:r="http://schemas.openxmlformats.org/officeDocument/2006/relationships" xmlns:p="http://schemas.openxmlformats.org/presentationml/2006/main">
   <p:cSld>
     <p:spTree>
@@ -10741,7 +10486,7 @@
 </p:sld>
 </file>
 
-<file path=ppt/slides/slide26.xml><?xml version="1.0" encoding="utf-8"?>
+<file path=ppt/slides/slide25.xml><?xml version="1.0" encoding="utf-8"?>
 <p:sld xmlns:a="http://schemas.openxmlformats.org/drawingml/2006/main" xmlns:r="http://schemas.openxmlformats.org/officeDocument/2006/relationships" xmlns:p="http://schemas.openxmlformats.org/presentationml/2006/main">
   <p:cSld>
     <p:spTree>
@@ -10820,25 +10565,33 @@
             </a:r>
             <a:r>
               <a:rPr lang="en-US" dirty="0"/>
-              <a:t>copy basicpage.html</a:t>
-            </a:r>
-          </a:p>
-          <a:p>
+              <a:t>copy </a:t>
+            </a:r>
+            <a:r>
+              <a:rPr lang="en-US" dirty="0" smtClean="0"/>
+              <a:t>basicpage.html</a:t>
+            </a:r>
+          </a:p>
+          <a:p>
+            <a:r>
+              <a:rPr lang="en-US" dirty="0" smtClean="0"/>
+              <a:t>At some point copy the web page and link them together. The links can be part of a menu on the pages.</a:t>
+            </a:r>
+          </a:p>
+          <a:p>
+            <a:r>
+              <a:rPr lang="en-US" dirty="0" smtClean="0"/>
+              <a:t>More HTML elements</a:t>
+            </a:r>
+          </a:p>
+          <a:p>
+            <a:r>
+              <a:rPr lang="en-US" dirty="0" smtClean="0"/>
+              <a:t>From </a:t>
+            </a:r>
             <a:r>
               <a:rPr lang="en-US" dirty="0"/>
-              <a:t>At some point copy the web page and link them together. The links can be part of a menu on the pages.</a:t>
-            </a:r>
-          </a:p>
-          <a:p>
-            <a:r>
-              <a:rPr lang="en-US" dirty="0"/>
-              <a:t>More HTML elements</a:t>
-            </a:r>
-          </a:p>
-          <a:p>
-            <a:r>
-              <a:rPr lang="en-US" dirty="0"/>
-              <a:t>From the above exercise extend the web pages with more elements like:</a:t>
+              <a:t>the above exercise extend the web pages with more elements like:</a:t>
             </a:r>
           </a:p>
           <a:p>
@@ -10928,8 +10681,12 @@
               <a:t>validates according to a defined </a:t>
             </a:r>
             <a:r>
-              <a:rPr lang="en-US" dirty="0" err="1"/>
+              <a:rPr lang="en-US" dirty="0" err="1" smtClean="0"/>
               <a:t>doctype</a:t>
+            </a:r>
+            <a:r>
+              <a:rPr lang="en-US" dirty="0" smtClean="0"/>
+              <a:t> (html)</a:t>
             </a:r>
             <a:endParaRPr lang="en-US" dirty="0"/>
           </a:p>
@@ -11004,7 +10761,7 @@
           <a:p>
             <a:fld id="{F7AB382F-E9E6-CE49-B414-1E064FB7F064}" type="slidenum">
               <a:rPr lang="da-DK" smtClean="0"/>
-              <a:t>26</a:t>
+              <a:t>25</a:t>
             </a:fld>
             <a:endParaRPr lang="da-DK"/>
           </a:p>
@@ -11606,7 +11363,7 @@
           <a:p>
             <a:r>
               <a:rPr lang="en-US" dirty="0" smtClean="0"/>
-              <a:t>… then what about XHTML?</a:t>
+              <a:t>Polyglot Markup</a:t>
             </a:r>
             <a:endParaRPr lang="en-US" dirty="0"/>
           </a:p>
@@ -11629,55 +11386,65 @@
           </a:bodyPr>
           <a:lstStyle/>
           <a:p>
+            <a:pPr marL="0" indent="0">
+              <a:buNone/>
+            </a:pPr>
             <a:r>
               <a:rPr lang="en-US" dirty="0" smtClean="0"/>
-              <a:t>HTML5 as well formed XML with the MIME type application/</a:t>
+              <a:t>…And just to complicate things.</a:t>
+            </a:r>
+          </a:p>
+          <a:p>
+            <a:pPr marL="0" indent="0">
+              <a:buNone/>
+            </a:pPr>
+            <a:endParaRPr lang="en-US" dirty="0" smtClean="0"/>
+          </a:p>
+          <a:p>
+            <a:r>
+              <a:rPr lang="en-US" dirty="0" smtClean="0"/>
+              <a:t>HTML-Compatible </a:t>
+            </a:r>
+            <a:r>
+              <a:rPr lang="en-US" dirty="0"/>
+              <a:t>XHTML </a:t>
+            </a:r>
+            <a:r>
+              <a:rPr lang="en-US" dirty="0" smtClean="0"/>
+              <a:t>Documents</a:t>
+            </a:r>
+          </a:p>
+          <a:p>
+            <a:r>
+              <a:rPr lang="en-US" dirty="0" smtClean="0"/>
+              <a:t>Strict XML (XHTML) documents that can either be send with MIME type:</a:t>
+            </a:r>
+          </a:p>
+          <a:p>
+            <a:pPr lvl="1"/>
+            <a:r>
+              <a:rPr lang="en-US" dirty="0" smtClean="0"/>
+              <a:t>text/html</a:t>
+            </a:r>
+          </a:p>
+          <a:p>
+            <a:pPr lvl="1"/>
+            <a:r>
+              <a:rPr lang="en-US" dirty="0" smtClean="0"/>
+              <a:t>application/</a:t>
             </a:r>
             <a:r>
               <a:rPr lang="en-US" dirty="0" err="1" smtClean="0"/>
               <a:t>xhtml+xml</a:t>
             </a:r>
-            <a:r>
-              <a:rPr lang="en-US" dirty="0" smtClean="0"/>
-              <a:t>:</a:t>
-            </a:r>
-          </a:p>
-          <a:p>
-            <a:pPr marL="0" indent="0" algn="ctr">
-              <a:buNone/>
-            </a:pPr>
-            <a:r>
-              <a:rPr lang="en-US" sz="4000" b="1" dirty="0" smtClean="0"/>
-              <a:t>XHTML5</a:t>
-            </a:r>
-          </a:p>
-          <a:p>
-            <a:r>
-              <a:rPr lang="en-US" dirty="0" smtClean="0"/>
-              <a:t>OK, maybe not that important</a:t>
-            </a:r>
-            <a:r>
-              <a:rPr lang="en-US" dirty="0"/>
-              <a:t>… – </a:t>
-            </a:r>
-            <a:r>
-              <a:rPr lang="en-US" dirty="0" smtClean="0"/>
-              <a:t>but in some cases useful.</a:t>
-            </a:r>
-          </a:p>
-          <a:p>
-            <a:r>
-              <a:rPr lang="en-US" dirty="0" smtClean="0"/>
-              <a:t>Combining HTML with XML languages like RDF and SVG.</a:t>
-            </a:r>
-            <a:endParaRPr lang="en-US" dirty="0"/>
+            <a:endParaRPr lang="en-US" dirty="0" smtClean="0"/>
           </a:p>
         </p:txBody>
       </p:sp>
     </p:spTree>
     <p:extLst>
       <p:ext uri="{BB962C8B-B14F-4D97-AF65-F5344CB8AC3E}">
-        <p14:creationId xmlns:p14="http://schemas.microsoft.com/office/powerpoint/2010/main" val="870550331"/>
+        <p14:creationId xmlns:p14="http://schemas.microsoft.com/office/powerpoint/2010/main" val="3118282105"/>
       </p:ext>
     </p:extLst>
   </p:cSld>
@@ -11732,143 +11499,6 @@
           <a:lstStyle/>
           <a:p>
             <a:r>
-              <a:rPr lang="en-US" dirty="0" smtClean="0"/>
-              <a:t>Polyglot Markup</a:t>
-            </a:r>
-            <a:endParaRPr lang="en-US" dirty="0"/>
-          </a:p>
-        </p:txBody>
-      </p:sp>
-      <p:sp>
-        <p:nvSpPr>
-          <p:cNvPr id="3" name="Pladsholder til indhold 2"/>
-          <p:cNvSpPr>
-            <a:spLocks noGrp="1"/>
-          </p:cNvSpPr>
-          <p:nvPr>
-            <p:ph idx="1"/>
-          </p:nvPr>
-        </p:nvSpPr>
-        <p:spPr/>
-        <p:txBody>
-          <a:bodyPr>
-            <a:normAutofit/>
-          </a:bodyPr>
-          <a:lstStyle/>
-          <a:p>
-            <a:pPr marL="0" indent="0">
-              <a:buNone/>
-            </a:pPr>
-            <a:r>
-              <a:rPr lang="en-US" dirty="0" smtClean="0"/>
-              <a:t>…And just to complicate things.</a:t>
-            </a:r>
-          </a:p>
-          <a:p>
-            <a:pPr marL="0" indent="0">
-              <a:buNone/>
-            </a:pPr>
-            <a:endParaRPr lang="en-US" dirty="0" smtClean="0"/>
-          </a:p>
-          <a:p>
-            <a:r>
-              <a:rPr lang="en-US" dirty="0" smtClean="0"/>
-              <a:t>HTML-Compatible </a:t>
-            </a:r>
-            <a:r>
-              <a:rPr lang="en-US" dirty="0"/>
-              <a:t>XHTML </a:t>
-            </a:r>
-            <a:r>
-              <a:rPr lang="en-US" dirty="0" smtClean="0"/>
-              <a:t>Documents</a:t>
-            </a:r>
-          </a:p>
-          <a:p>
-            <a:r>
-              <a:rPr lang="en-US" dirty="0" smtClean="0"/>
-              <a:t>Strict XML (XHTML) documents that can either be send with MIME type:</a:t>
-            </a:r>
-          </a:p>
-          <a:p>
-            <a:pPr lvl="1"/>
-            <a:r>
-              <a:rPr lang="en-US" dirty="0" smtClean="0"/>
-              <a:t>text/html</a:t>
-            </a:r>
-          </a:p>
-          <a:p>
-            <a:pPr lvl="1"/>
-            <a:r>
-              <a:rPr lang="en-US" dirty="0" smtClean="0"/>
-              <a:t>application/</a:t>
-            </a:r>
-            <a:r>
-              <a:rPr lang="en-US" dirty="0" err="1" smtClean="0"/>
-              <a:t>xhtml+xml</a:t>
-            </a:r>
-            <a:endParaRPr lang="en-US" dirty="0" smtClean="0"/>
-          </a:p>
-        </p:txBody>
-      </p:sp>
-    </p:spTree>
-    <p:extLst>
-      <p:ext uri="{BB962C8B-B14F-4D97-AF65-F5344CB8AC3E}">
-        <p14:creationId xmlns:p14="http://schemas.microsoft.com/office/powerpoint/2010/main" val="3118282105"/>
-      </p:ext>
-    </p:extLst>
-  </p:cSld>
-  <p:clrMapOvr>
-    <a:masterClrMapping/>
-  </p:clrMapOvr>
-  <mc:AlternateContent xmlns:mc="http://schemas.openxmlformats.org/markup-compatibility/2006" xmlns:p14="http://schemas.microsoft.com/office/powerpoint/2010/main">
-    <mc:Choice Requires="p14">
-      <p:transition p14:dur="250">
-        <p:fade/>
-      </p:transition>
-    </mc:Choice>
-    <mc:Fallback xmlns="">
-      <p:transition>
-        <p:fade/>
-      </p:transition>
-    </mc:Fallback>
-  </mc:AlternateContent>
-</p:sld>
-</file>
-
-<file path=ppt/slides/slide8.xml><?xml version="1.0" encoding="utf-8"?>
-<p:sld xmlns:a="http://schemas.openxmlformats.org/drawingml/2006/main" xmlns:r="http://schemas.openxmlformats.org/officeDocument/2006/relationships" xmlns:p="http://schemas.openxmlformats.org/presentationml/2006/main">
-  <p:cSld>
-    <p:spTree>
-      <p:nvGrpSpPr>
-        <p:cNvPr id="1" name=""/>
-        <p:cNvGrpSpPr/>
-        <p:nvPr/>
-      </p:nvGrpSpPr>
-      <p:grpSpPr>
-        <a:xfrm>
-          <a:off x="0" y="0"/>
-          <a:ext cx="0" cy="0"/>
-          <a:chOff x="0" y="0"/>
-          <a:chExt cx="0" cy="0"/>
-        </a:xfrm>
-      </p:grpSpPr>
-      <p:sp>
-        <p:nvSpPr>
-          <p:cNvPr id="2" name="Titel 1"/>
-          <p:cNvSpPr>
-            <a:spLocks noGrp="1"/>
-          </p:cNvSpPr>
-          <p:nvPr>
-            <p:ph type="title"/>
-          </p:nvPr>
-        </p:nvSpPr>
-        <p:spPr/>
-        <p:txBody>
-          <a:bodyPr/>
-          <a:lstStyle/>
-          <a:p>
-            <a:r>
               <a:rPr lang="da-DK" dirty="0" err="1" smtClean="0"/>
               <a:t>Whats</a:t>
             </a:r>
@@ -12139,7 +11769,7 @@
           <a:p>
             <a:fld id="{F7AB382F-E9E6-CE49-B414-1E064FB7F064}" type="slidenum">
               <a:rPr lang="da-DK" smtClean="0"/>
-              <a:t>8</a:t>
+              <a:t>7</a:t>
             </a:fld>
             <a:endParaRPr lang="da-DK"/>
           </a:p>
@@ -12224,6 +11854,184 @@
 </p:sld>
 </file>
 
+<file path=ppt/slides/slide8.xml><?xml version="1.0" encoding="utf-8"?>
+<p:sld xmlns:a="http://schemas.openxmlformats.org/drawingml/2006/main" xmlns:r="http://schemas.openxmlformats.org/officeDocument/2006/relationships" xmlns:p="http://schemas.openxmlformats.org/presentationml/2006/main">
+  <p:cSld>
+    <p:spTree>
+      <p:nvGrpSpPr>
+        <p:cNvPr id="1" name=""/>
+        <p:cNvGrpSpPr/>
+        <p:nvPr/>
+      </p:nvGrpSpPr>
+      <p:grpSpPr>
+        <a:xfrm>
+          <a:off x="0" y="0"/>
+          <a:ext cx="0" cy="0"/>
+          <a:chOff x="0" y="0"/>
+          <a:chExt cx="0" cy="0"/>
+        </a:xfrm>
+      </p:grpSpPr>
+      <p:sp>
+        <p:nvSpPr>
+          <p:cNvPr id="2" name="Titel 1"/>
+          <p:cNvSpPr>
+            <a:spLocks noGrp="1"/>
+          </p:cNvSpPr>
+          <p:nvPr>
+            <p:ph type="title"/>
+          </p:nvPr>
+        </p:nvSpPr>
+        <p:spPr/>
+        <p:txBody>
+          <a:bodyPr/>
+          <a:lstStyle/>
+          <a:p>
+            <a:r>
+              <a:rPr lang="en-US" dirty="0" smtClean="0"/>
+              <a:t>New semantic elements</a:t>
+            </a:r>
+            <a:endParaRPr lang="en-US" dirty="0"/>
+          </a:p>
+        </p:txBody>
+      </p:sp>
+      <p:sp>
+        <p:nvSpPr>
+          <p:cNvPr id="3" name="Pladsholder til indhold 2"/>
+          <p:cNvSpPr>
+            <a:spLocks noGrp="1"/>
+          </p:cNvSpPr>
+          <p:nvPr>
+            <p:ph idx="1"/>
+          </p:nvPr>
+        </p:nvSpPr>
+        <p:spPr/>
+        <p:txBody>
+          <a:bodyPr>
+            <a:normAutofit/>
+          </a:bodyPr>
+          <a:lstStyle/>
+          <a:p>
+            <a:r>
+              <a:rPr lang="en-US" dirty="0" smtClean="0"/>
+              <a:t>New elements for structuring</a:t>
+            </a:r>
+          </a:p>
+          <a:p>
+            <a:pPr lvl="1"/>
+            <a:r>
+              <a:rPr lang="en-US" dirty="0" smtClean="0"/>
+              <a:t>section, article, aside, </a:t>
+            </a:r>
+            <a:r>
+              <a:rPr lang="en-US" dirty="0" err="1" smtClean="0"/>
+              <a:t>hgroup</a:t>
+            </a:r>
+            <a:r>
+              <a:rPr lang="en-US" dirty="0" smtClean="0"/>
+              <a:t>, header, footer, </a:t>
+            </a:r>
+            <a:r>
+              <a:rPr lang="en-US" dirty="0" err="1" smtClean="0"/>
+              <a:t>nav</a:t>
+            </a:r>
+            <a:r>
+              <a:rPr lang="en-US" dirty="0" smtClean="0"/>
+              <a:t>, figure </a:t>
+            </a:r>
+          </a:p>
+          <a:p>
+            <a:r>
+              <a:rPr lang="en-US" dirty="0" smtClean="0"/>
+              <a:t>New elements for content</a:t>
+            </a:r>
+          </a:p>
+          <a:p>
+            <a:pPr lvl="1"/>
+            <a:r>
+              <a:rPr lang="en-US" dirty="0"/>
+              <a:t>v</a:t>
+            </a:r>
+            <a:r>
+              <a:rPr lang="en-US" dirty="0" smtClean="0"/>
+              <a:t>ideo, audio, track, embed, mark, progress,  meter, time, ruby, </a:t>
+            </a:r>
+            <a:r>
+              <a:rPr lang="en-US" dirty="0" err="1" smtClean="0"/>
+              <a:t>bdi</a:t>
+            </a:r>
+            <a:r>
+              <a:rPr lang="en-US" dirty="0" smtClean="0"/>
+              <a:t>, </a:t>
+            </a:r>
+            <a:r>
+              <a:rPr lang="en-US" dirty="0" err="1" smtClean="0"/>
+              <a:t>wbr</a:t>
+            </a:r>
+            <a:r>
+              <a:rPr lang="en-US" dirty="0" smtClean="0"/>
+              <a:t>, canvas, command, details, </a:t>
+            </a:r>
+            <a:r>
+              <a:rPr lang="en-US" dirty="0" err="1" smtClean="0"/>
+              <a:t>datalist</a:t>
+            </a:r>
+            <a:r>
+              <a:rPr lang="en-US" dirty="0" smtClean="0"/>
+              <a:t>, </a:t>
+            </a:r>
+            <a:r>
+              <a:rPr lang="en-US" dirty="0" err="1" smtClean="0"/>
+              <a:t>keygen</a:t>
+            </a:r>
+            <a:r>
+              <a:rPr lang="en-US" dirty="0" smtClean="0"/>
+              <a:t>, output</a:t>
+            </a:r>
+          </a:p>
+          <a:p>
+            <a:pPr lvl="1"/>
+            <a:r>
+              <a:rPr lang="en-US" dirty="0" smtClean="0"/>
+              <a:t>… and a lot more for the input element.</a:t>
+            </a:r>
+          </a:p>
+          <a:p>
+            <a:r>
+              <a:rPr lang="en-US" dirty="0" smtClean="0"/>
+              <a:t>Why?</a:t>
+            </a:r>
+          </a:p>
+          <a:p>
+            <a:pPr lvl="1"/>
+            <a:endParaRPr lang="en-US" dirty="0" smtClean="0"/>
+          </a:p>
+        </p:txBody>
+      </p:sp>
+    </p:spTree>
+    <p:extLst>
+      <p:ext uri="{BB962C8B-B14F-4D97-AF65-F5344CB8AC3E}">
+        <p14:creationId xmlns:p14="http://schemas.microsoft.com/office/powerpoint/2010/main" val="541701128"/>
+      </p:ext>
+    </p:extLst>
+  </p:cSld>
+  <p:clrMapOvr>
+    <a:masterClrMapping/>
+  </p:clrMapOvr>
+  <mc:AlternateContent xmlns:mc="http://schemas.openxmlformats.org/markup-compatibility/2006" xmlns:p14="http://schemas.microsoft.com/office/powerpoint/2010/main">
+    <mc:Choice Requires="p14">
+      <p:transition p14:dur="250">
+        <p:fade/>
+      </p:transition>
+    </mc:Choice>
+    <mc:Fallback xmlns="">
+      <p:transition>
+        <p:fade/>
+      </p:transition>
+    </mc:Fallback>
+  </mc:AlternateContent>
+</p:sld>
+</file>
+
 <file path=ppt/slides/slide9.xml><?xml version="1.0" encoding="utf-8"?>
 <p:sld xmlns:a="http://schemas.openxmlformats.org/drawingml/2006/main" xmlns:r="http://schemas.openxmlformats.org/officeDocument/2006/relationships" xmlns:p="http://schemas.openxmlformats.org/presentationml/2006/main">
   <p:cSld>
@@ -12258,7 +12066,7 @@
           <a:p>
             <a:r>
               <a:rPr lang="en-US" dirty="0" smtClean="0"/>
-              <a:t>New semantic elements</a:t>
+              <a:t>&lt;section&gt;</a:t>
             </a:r>
             <a:endParaRPr lang="en-US" dirty="0"/>
           </a:p>
@@ -12274,113 +12082,205 @@
             <p:ph idx="1"/>
           </p:nvPr>
         </p:nvSpPr>
-        <p:spPr/>
+        <p:spPr>
+          <a:xfrm>
+            <a:off x="457200" y="1600201"/>
+            <a:ext cx="8229600" cy="2133600"/>
+          </a:xfrm>
+        </p:spPr>
         <p:txBody>
           <a:bodyPr>
-            <a:normAutofit/>
+            <a:normAutofit fontScale="85000" lnSpcReduction="20000"/>
           </a:bodyPr>
           <a:lstStyle/>
           <a:p>
             <a:r>
               <a:rPr lang="en-US" dirty="0" smtClean="0"/>
-              <a:t>New elements for structuring</a:t>
-            </a:r>
-          </a:p>
-          <a:p>
-            <a:pPr lvl="1"/>
+              <a:t>The section element represents a generic section of a document or application. A section, in this context, is a thematic grouping of content, typically with a heading.</a:t>
+            </a:r>
+          </a:p>
+          <a:p>
             <a:r>
               <a:rPr lang="en-US" dirty="0" smtClean="0"/>
-              <a:t>section, article, aside, </a:t>
-            </a:r>
-            <a:r>
-              <a:rPr lang="en-US" dirty="0" err="1" smtClean="0"/>
+              <a:t>Authors are encouraged to use the article element instead of the section element when it would make sense to syndicate the contents of the element.</a:t>
+            </a:r>
+          </a:p>
+        </p:txBody>
+      </p:sp>
+      <p:sp>
+        <p:nvSpPr>
+          <p:cNvPr id="5" name="Tekstboks 4"/>
+          <p:cNvSpPr txBox="1"/>
+          <p:nvPr/>
+        </p:nvSpPr>
+        <p:spPr>
+          <a:xfrm>
+            <a:off x="1843454" y="3733801"/>
+            <a:ext cx="6019800" cy="2677656"/>
+          </a:xfrm>
+          <a:prstGeom prst="rect">
+            <a:avLst/>
+          </a:prstGeom>
+        </p:spPr>
+        <p:style>
+          <a:lnRef idx="3">
+            <a:schemeClr val="lt1"/>
+          </a:lnRef>
+          <a:fillRef idx="1">
+            <a:schemeClr val="accent1"/>
+          </a:fillRef>
+          <a:effectRef idx="1">
+            <a:schemeClr val="accent1"/>
+          </a:effectRef>
+          <a:fontRef idx="minor">
+            <a:schemeClr val="lt1"/>
+          </a:fontRef>
+        </p:style>
+        <p:txBody>
+          <a:bodyPr wrap="square" rtlCol="0">
+            <a:spAutoFit/>
+          </a:bodyPr>
+          <a:lstStyle/>
+          <a:p>
+            <a:pPr defTabSz="273050"/>
+            <a:r>
+              <a:rPr lang="en-US" sz="1200" dirty="0"/>
+              <a:t>&lt;article&gt;</a:t>
+            </a:r>
+          </a:p>
+          <a:p>
+            <a:pPr defTabSz="273050"/>
+            <a:r>
+              <a:rPr lang="en-US" sz="1200" dirty="0"/>
+              <a:t>	&lt;</a:t>
+            </a:r>
+            <a:r>
+              <a:rPr lang="en-US" sz="1200" dirty="0" err="1"/>
               <a:t>hgroup</a:t>
             </a:r>
             <a:r>
-              <a:rPr lang="en-US" dirty="0" smtClean="0"/>
-              <a:t>, header, footer, </a:t>
-            </a:r>
-            <a:r>
-              <a:rPr lang="en-US" dirty="0" err="1" smtClean="0"/>
-              <a:t>nav</a:t>
-            </a:r>
-            <a:r>
-              <a:rPr lang="en-US" dirty="0" smtClean="0"/>
-              <a:t>, figure </a:t>
-            </a:r>
-          </a:p>
-          <a:p>
-            <a:r>
-              <a:rPr lang="en-US" dirty="0" smtClean="0"/>
-              <a:t>New elements for content</a:t>
-            </a:r>
-          </a:p>
-          <a:p>
-            <a:pPr lvl="1"/>
-            <a:r>
-              <a:rPr lang="en-US" dirty="0"/>
-              <a:t>v</a:t>
-            </a:r>
-            <a:r>
-              <a:rPr lang="en-US" dirty="0" smtClean="0"/>
-              <a:t>ideo, audio, track, embed, mark, progress,  meter, time, ruby, </a:t>
-            </a:r>
-            <a:r>
-              <a:rPr lang="en-US" dirty="0" err="1" smtClean="0"/>
-              <a:t>bdi</a:t>
-            </a:r>
-            <a:r>
-              <a:rPr lang="en-US" dirty="0" smtClean="0"/>
-              <a:t>, </a:t>
-            </a:r>
-            <a:r>
-              <a:rPr lang="en-US" dirty="0" err="1" smtClean="0"/>
-              <a:t>wbr</a:t>
-            </a:r>
-            <a:r>
-              <a:rPr lang="en-US" dirty="0" smtClean="0"/>
-              <a:t>, canvas, command, details, </a:t>
-            </a:r>
-            <a:r>
-              <a:rPr lang="en-US" dirty="0" err="1" smtClean="0"/>
-              <a:t>datalist</a:t>
-            </a:r>
-            <a:r>
-              <a:rPr lang="en-US" dirty="0" smtClean="0"/>
-              <a:t>, </a:t>
-            </a:r>
-            <a:r>
-              <a:rPr lang="en-US" dirty="0" err="1" smtClean="0"/>
-              <a:t>keygen</a:t>
-            </a:r>
-            <a:r>
-              <a:rPr lang="en-US" dirty="0" smtClean="0"/>
-              <a:t>, output</a:t>
-            </a:r>
-          </a:p>
-          <a:p>
-            <a:pPr lvl="1"/>
-            <a:r>
-              <a:rPr lang="en-US" dirty="0" smtClean="0"/>
-              <a:t>… and a lot more for the input element.</a:t>
-            </a:r>
-          </a:p>
-          <a:p>
-            <a:r>
-              <a:rPr lang="en-US" dirty="0" smtClean="0"/>
-              <a:t>Why?</a:t>
-            </a:r>
-          </a:p>
-          <a:p>
-            <a:pPr lvl="1"/>
-            <a:endParaRPr lang="en-US" dirty="0" smtClean="0"/>
+              <a:rPr lang="en-US" sz="1200" dirty="0"/>
+              <a:t>&gt;</a:t>
+            </a:r>
+          </a:p>
+          <a:p>
+            <a:pPr defTabSz="273050"/>
+            <a:r>
+              <a:rPr lang="en-US" sz="1200" dirty="0"/>
+              <a:t>		&lt;h1&gt;Apples&lt;/h1&gt;</a:t>
+            </a:r>
+          </a:p>
+          <a:p>
+            <a:pPr defTabSz="273050"/>
+            <a:r>
+              <a:rPr lang="en-US" sz="1200" dirty="0"/>
+              <a:t>		&lt;h2&gt;Tasty, delicious fruit!&lt;/h2&gt;</a:t>
+            </a:r>
+          </a:p>
+          <a:p>
+            <a:pPr defTabSz="273050"/>
+            <a:r>
+              <a:rPr lang="en-US" sz="1200" dirty="0"/>
+              <a:t>	&lt;/</a:t>
+            </a:r>
+            <a:r>
+              <a:rPr lang="en-US" sz="1200" dirty="0" err="1"/>
+              <a:t>hgroup</a:t>
+            </a:r>
+            <a:r>
+              <a:rPr lang="en-US" sz="1200" dirty="0"/>
+              <a:t>&gt;</a:t>
+            </a:r>
+          </a:p>
+          <a:p>
+            <a:pPr defTabSz="273050"/>
+            <a:r>
+              <a:rPr lang="en-US" sz="1200" dirty="0"/>
+              <a:t>	&lt;p&gt;The apple is the </a:t>
+            </a:r>
+            <a:r>
+              <a:rPr lang="en-US" sz="1200" dirty="0" err="1"/>
+              <a:t>pomaceous</a:t>
+            </a:r>
+            <a:r>
+              <a:rPr lang="en-US" sz="1200" dirty="0"/>
+              <a:t> fruit of the apple tree.&lt;/p&gt;</a:t>
+            </a:r>
+          </a:p>
+          <a:p>
+            <a:pPr defTabSz="273050"/>
+            <a:r>
+              <a:rPr lang="en-US" sz="1200" dirty="0"/>
+              <a:t>	&lt;section&gt;</a:t>
+            </a:r>
+          </a:p>
+          <a:p>
+            <a:pPr defTabSz="273050"/>
+            <a:r>
+              <a:rPr lang="en-US" sz="1200" dirty="0"/>
+              <a:t>		&lt;h1&gt;Red Delicious&lt;/h1&gt;</a:t>
+            </a:r>
+          </a:p>
+          <a:p>
+            <a:pPr defTabSz="273050"/>
+            <a:r>
+              <a:rPr lang="en-US" sz="1200" dirty="0"/>
+              <a:t>		&lt;p&gt;These bright red apples are the most common found in </a:t>
+            </a:r>
+            <a:r>
+              <a:rPr lang="en-US" sz="1200" dirty="0" smtClean="0"/>
+              <a:t>many supermarkets</a:t>
+            </a:r>
+            <a:r>
+              <a:rPr lang="en-US" sz="1200" dirty="0"/>
+              <a:t>.&lt;/p&gt;</a:t>
+            </a:r>
+          </a:p>
+          <a:p>
+            <a:pPr defTabSz="273050"/>
+            <a:r>
+              <a:rPr lang="en-US" sz="1200" dirty="0"/>
+              <a:t>	&lt;/section&gt;</a:t>
+            </a:r>
+          </a:p>
+          <a:p>
+            <a:pPr defTabSz="273050"/>
+            <a:r>
+              <a:rPr lang="en-US" sz="1200" dirty="0"/>
+              <a:t>	&lt;section&gt;</a:t>
+            </a:r>
+          </a:p>
+          <a:p>
+            <a:pPr defTabSz="273050"/>
+            <a:r>
+              <a:rPr lang="en-US" sz="1200" dirty="0"/>
+              <a:t>		</a:t>
+            </a:r>
+            <a:r>
+              <a:rPr lang="en-US" sz="1200" dirty="0" smtClean="0"/>
+              <a:t>…</a:t>
+            </a:r>
+          </a:p>
+          <a:p>
+            <a:pPr defTabSz="273050"/>
+            <a:r>
+              <a:rPr lang="en-US" sz="1200" dirty="0"/>
+              <a:t>	&lt;/section&gt;</a:t>
+            </a:r>
+          </a:p>
+          <a:p>
+            <a:pPr defTabSz="273050"/>
+            <a:r>
+              <a:rPr lang="en-US" sz="1200" dirty="0"/>
+              <a:t>&lt;/article&gt;</a:t>
+            </a:r>
           </a:p>
         </p:txBody>
       </p:sp>
     </p:spTree>
     <p:extLst>
       <p:ext uri="{BB962C8B-B14F-4D97-AF65-F5344CB8AC3E}">
-        <p14:creationId xmlns:p14="http://schemas.microsoft.com/office/powerpoint/2010/main" val="541701128"/>
+        <p14:creationId xmlns:p14="http://schemas.microsoft.com/office/powerpoint/2010/main" val="2045521935"/>
       </p:ext>
     </p:extLst>
   </p:cSld>
